--- a/JuliaforRLovers.pptx
+++ b/JuliaforRLovers.pptx
@@ -10,7 +10,9 @@
     <p:sldId id="258" r:id="rId4"/>
     <p:sldId id="259" r:id="rId5"/>
     <p:sldId id="260" r:id="rId6"/>
-    <p:sldId id="261" r:id="rId7"/>
+    <p:sldId id="264" r:id="rId7"/>
+    <p:sldId id="265" r:id="rId8"/>
+    <p:sldId id="261" r:id="rId9"/>
   </p:sldIdLst>
   <p:sldSz cx="12192000" cy="6858000"/>
   <p:notesSz cx="6858000" cy="9144000"/>
@@ -1703,8 +1705,8 @@
         <a:lstStyle/>
         <a:p>
           <a:r>
-            <a:rPr lang="en-US"/>
-            <a:t>Why Julia?</a:t>
+            <a:rPr lang="en-US" dirty="0"/>
+            <a:t>What is Julia and why should you consider it?</a:t>
           </a:r>
         </a:p>
       </dgm:t>
@@ -1731,7 +1733,7 @@
         </a:p>
       </dgm:t>
     </dgm:pt>
-    <dgm:pt modelId="{B84965C1-39E1-465B-B5E4-F0A839C337E0}">
+    <dgm:pt modelId="{CF32C3BB-5D8F-6C44-A460-83F95FD929F5}">
       <dgm:prSet/>
       <dgm:spPr/>
       <dgm:t>
@@ -1740,12 +1742,17 @@
         <a:p>
           <a:r>
             <a:rPr lang="en-US" dirty="0"/>
-            <a:t>Using Julia and R in the Julia REPL </a:t>
+            <a:t>Example: Fitting an LMM with </a:t>
           </a:r>
+          <a:r>
+            <a:rPr lang="en-US" dirty="0" err="1"/>
+            <a:t>MixedModels.jl</a:t>
+          </a:r>
+          <a:endParaRPr lang="en-US" dirty="0"/>
         </a:p>
       </dgm:t>
     </dgm:pt>
-    <dgm:pt modelId="{0D003B26-5595-468F-BD43-9E6AF27417E5}" type="parTrans" cxnId="{EC73E3C5-A7A7-44E6-A78D-12A911048D9D}">
+    <dgm:pt modelId="{E07C0138-B4CA-1F46-8252-29EAA8E8423B}" type="parTrans" cxnId="{2CE0CB65-AD6D-B146-AC82-B26844157E74}">
       <dgm:prSet/>
       <dgm:spPr/>
       <dgm:t>
@@ -1756,7 +1763,7 @@
         </a:p>
       </dgm:t>
     </dgm:pt>
-    <dgm:pt modelId="{85AAD5BC-5096-4D50-ACE8-F8BE4E36CC0E}" type="sibTrans" cxnId="{EC73E3C5-A7A7-44E6-A78D-12A911048D9D}">
+    <dgm:pt modelId="{B196028F-9E3E-6042-B5A7-AD9CCED0AA77}" type="sibTrans" cxnId="{2CE0CB65-AD6D-B146-AC82-B26844157E74}">
       <dgm:prSet/>
       <dgm:spPr/>
       <dgm:t>
@@ -1767,7 +1774,7 @@
         </a:p>
       </dgm:t>
     </dgm:pt>
-    <dgm:pt modelId="{B8746105-10A5-40DA-B010-B26B563DC9D0}">
+    <dgm:pt modelId="{FE7DB927-7A19-FC40-A048-C44B8A170369}">
       <dgm:prSet/>
       <dgm:spPr/>
       <dgm:t>
@@ -1776,17 +1783,12 @@
         <a:p>
           <a:r>
             <a:rPr lang="en-US" dirty="0"/>
-            <a:t>Demo: Basics with </a:t>
+            <a:t>Julia Basics, using R &amp; Julia, and Julia for Data Science</a:t>
           </a:r>
-          <a:r>
-            <a:rPr lang="en-US" dirty="0" err="1"/>
-            <a:t>RCall.jl</a:t>
-          </a:r>
-          <a:endParaRPr lang="en-US" dirty="0"/>
         </a:p>
       </dgm:t>
     </dgm:pt>
-    <dgm:pt modelId="{2059D6D9-8386-421F-BB2B-0E5E0EC61532}" type="parTrans" cxnId="{9C9CDA42-582F-47D8-A9CD-95B717483D6A}">
+    <dgm:pt modelId="{0671BAE8-16D4-404C-8C80-3406866CEB2C}" type="sibTrans" cxnId="{BB2D66C4-AE67-4B4A-8447-AD42C480FB47}">
       <dgm:prSet/>
       <dgm:spPr/>
       <dgm:t>
@@ -1797,48 +1799,7 @@
         </a:p>
       </dgm:t>
     </dgm:pt>
-    <dgm:pt modelId="{8EC450B0-7EF4-47A6-B68B-49AE5E333CCC}" type="sibTrans" cxnId="{9C9CDA42-582F-47D8-A9CD-95B717483D6A}">
-      <dgm:prSet/>
-      <dgm:spPr/>
-      <dgm:t>
-        <a:bodyPr/>
-        <a:lstStyle/>
-        <a:p>
-          <a:endParaRPr lang="en-US"/>
-        </a:p>
-      </dgm:t>
-    </dgm:pt>
-    <dgm:pt modelId="{59F24042-6D98-E242-B0E5-AED3DC9C663F}">
-      <dgm:prSet/>
-      <dgm:spPr/>
-      <dgm:t>
-        <a:bodyPr/>
-        <a:lstStyle/>
-        <a:p>
-          <a:r>
-            <a:rPr lang="en-US" dirty="0"/>
-            <a:t>Demo: Fitting an LMM with </a:t>
-          </a:r>
-          <a:r>
-            <a:rPr lang="en-US" dirty="0" err="1"/>
-            <a:t>MixedModels.jl</a:t>
-          </a:r>
-          <a:endParaRPr lang="en-US" dirty="0"/>
-        </a:p>
-      </dgm:t>
-    </dgm:pt>
-    <dgm:pt modelId="{70BFF987-71D5-6C4F-9D03-6EC2D9E36549}" type="parTrans" cxnId="{0F4D7647-A10B-9D42-9B9C-9B7F0EDFFD85}">
-      <dgm:prSet/>
-      <dgm:spPr/>
-      <dgm:t>
-        <a:bodyPr/>
-        <a:lstStyle/>
-        <a:p>
-          <a:endParaRPr lang="en-US"/>
-        </a:p>
-      </dgm:t>
-    </dgm:pt>
-    <dgm:pt modelId="{41FB799C-C9B9-2E4F-A767-9846306A3A43}" type="sibTrans" cxnId="{0F4D7647-A10B-9D42-9B9C-9B7F0EDFFD85}">
+    <dgm:pt modelId="{10DC77E8-CB99-824A-BE7D-2E16148D86DC}" type="parTrans" cxnId="{BB2D66C4-AE67-4B4A-8447-AD42C480FB47}">
       <dgm:prSet/>
       <dgm:spPr/>
       <dgm:t>
@@ -1865,88 +1826,64 @@
       </dgm:prSet>
       <dgm:spPr/>
     </dgm:pt>
-    <dgm:pt modelId="{801CBDB7-20AB-CB42-AF3F-776EC0C9161B}" type="pres">
-      <dgm:prSet presAssocID="{96267B3C-A5F2-4BE0-8DB4-3A96D01C5AB1}" presName="FourNodes_1" presStyleLbl="node1" presStyleIdx="0" presStyleCnt="4">
+    <dgm:pt modelId="{44777C31-4FFD-3040-97AE-D6D145114A6E}" type="pres">
+      <dgm:prSet presAssocID="{96267B3C-A5F2-4BE0-8DB4-3A96D01C5AB1}" presName="ThreeNodes_1" presStyleLbl="node1" presStyleIdx="0" presStyleCnt="3">
         <dgm:presLayoutVars>
           <dgm:bulletEnabled val="1"/>
         </dgm:presLayoutVars>
       </dgm:prSet>
       <dgm:spPr/>
     </dgm:pt>
-    <dgm:pt modelId="{E8697BB9-4BC0-2948-9D8C-F6F4AB8B9586}" type="pres">
-      <dgm:prSet presAssocID="{96267B3C-A5F2-4BE0-8DB4-3A96D01C5AB1}" presName="FourNodes_2" presStyleLbl="node1" presStyleIdx="1" presStyleCnt="4">
+    <dgm:pt modelId="{715F69CB-15A3-2645-A50D-35489150BEEF}" type="pres">
+      <dgm:prSet presAssocID="{96267B3C-A5F2-4BE0-8DB4-3A96D01C5AB1}" presName="ThreeNodes_2" presStyleLbl="node1" presStyleIdx="1" presStyleCnt="3">
         <dgm:presLayoutVars>
           <dgm:bulletEnabled val="1"/>
         </dgm:presLayoutVars>
       </dgm:prSet>
       <dgm:spPr/>
     </dgm:pt>
-    <dgm:pt modelId="{1FC71744-7040-4343-970E-0D4BB300E390}" type="pres">
-      <dgm:prSet presAssocID="{96267B3C-A5F2-4BE0-8DB4-3A96D01C5AB1}" presName="FourNodes_3" presStyleLbl="node1" presStyleIdx="2" presStyleCnt="4">
+    <dgm:pt modelId="{44C3328D-4C2B-B04A-A10D-D8B572B227D3}" type="pres">
+      <dgm:prSet presAssocID="{96267B3C-A5F2-4BE0-8DB4-3A96D01C5AB1}" presName="ThreeNodes_3" presStyleLbl="node1" presStyleIdx="2" presStyleCnt="3">
         <dgm:presLayoutVars>
           <dgm:bulletEnabled val="1"/>
         </dgm:presLayoutVars>
       </dgm:prSet>
       <dgm:spPr/>
     </dgm:pt>
-    <dgm:pt modelId="{B19FACF5-B731-D84C-A248-F1D444730A41}" type="pres">
-      <dgm:prSet presAssocID="{96267B3C-A5F2-4BE0-8DB4-3A96D01C5AB1}" presName="FourNodes_4" presStyleLbl="node1" presStyleIdx="3" presStyleCnt="4">
+    <dgm:pt modelId="{B92D9D7A-56AD-7043-87AF-7CB552A85D04}" type="pres">
+      <dgm:prSet presAssocID="{96267B3C-A5F2-4BE0-8DB4-3A96D01C5AB1}" presName="ThreeConn_1-2" presStyleLbl="fgAccFollowNode1" presStyleIdx="0" presStyleCnt="2">
         <dgm:presLayoutVars>
           <dgm:bulletEnabled val="1"/>
         </dgm:presLayoutVars>
       </dgm:prSet>
       <dgm:spPr/>
     </dgm:pt>
-    <dgm:pt modelId="{5F4024B5-01C0-2742-B2CC-6BE09187C505}" type="pres">
-      <dgm:prSet presAssocID="{96267B3C-A5F2-4BE0-8DB4-3A96D01C5AB1}" presName="FourConn_1-2" presStyleLbl="fgAccFollowNode1" presStyleIdx="0" presStyleCnt="3">
+    <dgm:pt modelId="{77D8F8AC-FD77-5B4C-AB0D-B948A471E497}" type="pres">
+      <dgm:prSet presAssocID="{96267B3C-A5F2-4BE0-8DB4-3A96D01C5AB1}" presName="ThreeConn_2-3" presStyleLbl="fgAccFollowNode1" presStyleIdx="1" presStyleCnt="2">
         <dgm:presLayoutVars>
           <dgm:bulletEnabled val="1"/>
         </dgm:presLayoutVars>
       </dgm:prSet>
       <dgm:spPr/>
     </dgm:pt>
-    <dgm:pt modelId="{000F81B1-8589-3E40-9AF1-BED41BBBC2E6}" type="pres">
-      <dgm:prSet presAssocID="{96267B3C-A5F2-4BE0-8DB4-3A96D01C5AB1}" presName="FourConn_2-3" presStyleLbl="fgAccFollowNode1" presStyleIdx="1" presStyleCnt="3">
+    <dgm:pt modelId="{6788E016-E95F-DB49-AB7F-FB623276A096}" type="pres">
+      <dgm:prSet presAssocID="{96267B3C-A5F2-4BE0-8DB4-3A96D01C5AB1}" presName="ThreeNodes_1_text" presStyleLbl="node1" presStyleIdx="2" presStyleCnt="3">
         <dgm:presLayoutVars>
           <dgm:bulletEnabled val="1"/>
         </dgm:presLayoutVars>
       </dgm:prSet>
       <dgm:spPr/>
     </dgm:pt>
-    <dgm:pt modelId="{561424F8-1702-0747-9E5D-625B73206E2B}" type="pres">
-      <dgm:prSet presAssocID="{96267B3C-A5F2-4BE0-8DB4-3A96D01C5AB1}" presName="FourConn_3-4" presStyleLbl="fgAccFollowNode1" presStyleIdx="2" presStyleCnt="3">
+    <dgm:pt modelId="{F7A0E340-D2C1-3946-A73A-51ABAB5142D0}" type="pres">
+      <dgm:prSet presAssocID="{96267B3C-A5F2-4BE0-8DB4-3A96D01C5AB1}" presName="ThreeNodes_2_text" presStyleLbl="node1" presStyleIdx="2" presStyleCnt="3">
         <dgm:presLayoutVars>
           <dgm:bulletEnabled val="1"/>
         </dgm:presLayoutVars>
       </dgm:prSet>
       <dgm:spPr/>
     </dgm:pt>
-    <dgm:pt modelId="{43A03BB5-256F-FA4A-A460-7ED322999A33}" type="pres">
-      <dgm:prSet presAssocID="{96267B3C-A5F2-4BE0-8DB4-3A96D01C5AB1}" presName="FourNodes_1_text" presStyleLbl="node1" presStyleIdx="3" presStyleCnt="4">
-        <dgm:presLayoutVars>
-          <dgm:bulletEnabled val="1"/>
-        </dgm:presLayoutVars>
-      </dgm:prSet>
-      <dgm:spPr/>
-    </dgm:pt>
-    <dgm:pt modelId="{3C1AA6C3-3652-8246-B8D0-75AFAF233FB1}" type="pres">
-      <dgm:prSet presAssocID="{96267B3C-A5F2-4BE0-8DB4-3A96D01C5AB1}" presName="FourNodes_2_text" presStyleLbl="node1" presStyleIdx="3" presStyleCnt="4">
-        <dgm:presLayoutVars>
-          <dgm:bulletEnabled val="1"/>
-        </dgm:presLayoutVars>
-      </dgm:prSet>
-      <dgm:spPr/>
-    </dgm:pt>
-    <dgm:pt modelId="{BF8155AA-FC5B-3546-97A9-FA393F6D85CB}" type="pres">
-      <dgm:prSet presAssocID="{96267B3C-A5F2-4BE0-8DB4-3A96D01C5AB1}" presName="FourNodes_3_text" presStyleLbl="node1" presStyleIdx="3" presStyleCnt="4">
-        <dgm:presLayoutVars>
-          <dgm:bulletEnabled val="1"/>
-        </dgm:presLayoutVars>
-      </dgm:prSet>
-      <dgm:spPr/>
-    </dgm:pt>
-    <dgm:pt modelId="{6CD1EC0D-17EA-1E46-89CB-FEB12FE0D27E}" type="pres">
-      <dgm:prSet presAssocID="{96267B3C-A5F2-4BE0-8DB4-3A96D01C5AB1}" presName="FourNodes_4_text" presStyleLbl="node1" presStyleIdx="3" presStyleCnt="4">
+    <dgm:pt modelId="{A9103CC1-2C93-0648-ADF3-C188664EB57C}" type="pres">
+      <dgm:prSet presAssocID="{96267B3C-A5F2-4BE0-8DB4-3A96D01C5AB1}" presName="ThreeNodes_3_text" presStyleLbl="node1" presStyleIdx="2" presStyleCnt="3">
         <dgm:presLayoutVars>
           <dgm:bulletEnabled val="1"/>
         </dgm:presLayoutVars>
@@ -1955,34 +1892,27 @@
     </dgm:pt>
   </dgm:ptLst>
   <dgm:cxnLst>
-    <dgm:cxn modelId="{11582305-F85A-4549-947F-05C961D843DB}" type="presOf" srcId="{B8746105-10A5-40DA-B010-B26B563DC9D0}" destId="{BF8155AA-FC5B-3546-97A9-FA393F6D85CB}" srcOrd="1" destOrd="0" presId="urn:microsoft.com/office/officeart/2005/8/layout/vProcess5"/>
-    <dgm:cxn modelId="{EA13B50C-E090-CA4B-8E40-72BD804AB9D1}" type="presOf" srcId="{A3174C0B-40FE-4BBC-8C63-6559558BD20B}" destId="{43A03BB5-256F-FA4A-A460-7ED322999A33}" srcOrd="1" destOrd="0" presId="urn:microsoft.com/office/officeart/2005/8/layout/vProcess5"/>
-    <dgm:cxn modelId="{3892300E-9665-2B42-9960-D3397B8BF4E3}" type="presOf" srcId="{59F24042-6D98-E242-B0E5-AED3DC9C663F}" destId="{6CD1EC0D-17EA-1E46-89CB-FEB12FE0D27E}" srcOrd="1" destOrd="0" presId="urn:microsoft.com/office/officeart/2005/8/layout/vProcess5"/>
-    <dgm:cxn modelId="{DE25571F-424B-284B-BC29-2B714264A6E4}" type="presOf" srcId="{A3174C0B-40FE-4BBC-8C63-6559558BD20B}" destId="{801CBDB7-20AB-CB42-AF3F-776EC0C9161B}" srcOrd="0" destOrd="0" presId="urn:microsoft.com/office/officeart/2005/8/layout/vProcess5"/>
-    <dgm:cxn modelId="{C0CE7E2A-60CA-2043-8003-924668D4B84B}" type="presOf" srcId="{DDADB445-14C6-410C-AD8B-AE26A2E7E2C6}" destId="{5F4024B5-01C0-2742-B2CC-6BE09187C505}" srcOrd="0" destOrd="0" presId="urn:microsoft.com/office/officeart/2005/8/layout/vProcess5"/>
-    <dgm:cxn modelId="{9C9CDA42-582F-47D8-A9CD-95B717483D6A}" srcId="{96267B3C-A5F2-4BE0-8DB4-3A96D01C5AB1}" destId="{B8746105-10A5-40DA-B010-B26B563DC9D0}" srcOrd="2" destOrd="0" parTransId="{2059D6D9-8386-421F-BB2B-0E5E0EC61532}" sibTransId="{8EC450B0-7EF4-47A6-B68B-49AE5E333CCC}"/>
-    <dgm:cxn modelId="{0F4D7647-A10B-9D42-9B9C-9B7F0EDFFD85}" srcId="{96267B3C-A5F2-4BE0-8DB4-3A96D01C5AB1}" destId="{59F24042-6D98-E242-B0E5-AED3DC9C663F}" srcOrd="3" destOrd="0" parTransId="{70BFF987-71D5-6C4F-9D03-6EC2D9E36549}" sibTransId="{41FB799C-C9B9-2E4F-A767-9846306A3A43}"/>
-    <dgm:cxn modelId="{A4386471-13F9-A641-A83D-F886BE63FE32}" type="presOf" srcId="{B8746105-10A5-40DA-B010-B26B563DC9D0}" destId="{1FC71744-7040-4343-970E-0D4BB300E390}" srcOrd="0" destOrd="0" presId="urn:microsoft.com/office/officeart/2005/8/layout/vProcess5"/>
-    <dgm:cxn modelId="{A42A1B73-5639-2740-AE71-B0DA0C30D0DF}" type="presOf" srcId="{8EC450B0-7EF4-47A6-B68B-49AE5E333CCC}" destId="{561424F8-1702-0747-9E5D-625B73206E2B}" srcOrd="0" destOrd="0" presId="urn:microsoft.com/office/officeart/2005/8/layout/vProcess5"/>
-    <dgm:cxn modelId="{7FEF2584-342D-2247-ABA6-E27B1EBC327E}" type="presOf" srcId="{B84965C1-39E1-465B-B5E4-F0A839C337E0}" destId="{E8697BB9-4BC0-2948-9D8C-F6F4AB8B9586}" srcOrd="0" destOrd="0" presId="urn:microsoft.com/office/officeart/2005/8/layout/vProcess5"/>
-    <dgm:cxn modelId="{0B1E03A4-B6D5-9947-B9AB-FAAFDD4970AE}" type="presOf" srcId="{85AAD5BC-5096-4D50-ACE8-F8BE4E36CC0E}" destId="{000F81B1-8589-3E40-9AF1-BED41BBBC2E6}" srcOrd="0" destOrd="0" presId="urn:microsoft.com/office/officeart/2005/8/layout/vProcess5"/>
-    <dgm:cxn modelId="{EC5735A5-53D3-5443-BD2B-57884AE867AB}" type="presOf" srcId="{B84965C1-39E1-465B-B5E4-F0A839C337E0}" destId="{3C1AA6C3-3652-8246-B8D0-75AFAF233FB1}" srcOrd="1" destOrd="0" presId="urn:microsoft.com/office/officeart/2005/8/layout/vProcess5"/>
-    <dgm:cxn modelId="{621C10BB-C5D3-9148-834A-67B5C8B41A28}" type="presOf" srcId="{59F24042-6D98-E242-B0E5-AED3DC9C663F}" destId="{B19FACF5-B731-D84C-A248-F1D444730A41}" srcOrd="0" destOrd="0" presId="urn:microsoft.com/office/officeart/2005/8/layout/vProcess5"/>
+    <dgm:cxn modelId="{0672580E-CC30-DF43-BC82-9E7F8B6833FC}" type="presOf" srcId="{DDADB445-14C6-410C-AD8B-AE26A2E7E2C6}" destId="{B92D9D7A-56AD-7043-87AF-7CB552A85D04}" srcOrd="0" destOrd="0" presId="urn:microsoft.com/office/officeart/2005/8/layout/vProcess5"/>
+    <dgm:cxn modelId="{D9EA5955-C0C5-A248-8548-1D93C97DE2C2}" type="presOf" srcId="{0671BAE8-16D4-404C-8C80-3406866CEB2C}" destId="{77D8F8AC-FD77-5B4C-AB0D-B948A471E497}" srcOrd="0" destOrd="0" presId="urn:microsoft.com/office/officeart/2005/8/layout/vProcess5"/>
+    <dgm:cxn modelId="{F461A35D-BE12-CB49-B35B-167AD58F0459}" type="presOf" srcId="{A3174C0B-40FE-4BBC-8C63-6559558BD20B}" destId="{44777C31-4FFD-3040-97AE-D6D145114A6E}" srcOrd="0" destOrd="0" presId="urn:microsoft.com/office/officeart/2005/8/layout/vProcess5"/>
+    <dgm:cxn modelId="{CFF96363-58CB-EC4A-8199-27E12CC38270}" type="presOf" srcId="{FE7DB927-7A19-FC40-A048-C44B8A170369}" destId="{715F69CB-15A3-2645-A50D-35489150BEEF}" srcOrd="0" destOrd="0" presId="urn:microsoft.com/office/officeart/2005/8/layout/vProcess5"/>
+    <dgm:cxn modelId="{2CE0CB65-AD6D-B146-AC82-B26844157E74}" srcId="{96267B3C-A5F2-4BE0-8DB4-3A96D01C5AB1}" destId="{CF32C3BB-5D8F-6C44-A460-83F95FD929F5}" srcOrd="2" destOrd="0" parTransId="{E07C0138-B4CA-1F46-8252-29EAA8E8423B}" sibTransId="{B196028F-9E3E-6042-B5A7-AD9CCED0AA77}"/>
+    <dgm:cxn modelId="{63A8A571-D7FB-9048-914E-70A5D335E472}" type="presOf" srcId="{CF32C3BB-5D8F-6C44-A460-83F95FD929F5}" destId="{44C3328D-4C2B-B04A-A10D-D8B572B227D3}" srcOrd="0" destOrd="0" presId="urn:microsoft.com/office/officeart/2005/8/layout/vProcess5"/>
+    <dgm:cxn modelId="{74EE9EA5-453C-B64A-A30A-5B5E6561E7BE}" type="presOf" srcId="{A3174C0B-40FE-4BBC-8C63-6559558BD20B}" destId="{6788E016-E95F-DB49-AB7F-FB623276A096}" srcOrd="1" destOrd="0" presId="urn:microsoft.com/office/officeart/2005/8/layout/vProcess5"/>
     <dgm:cxn modelId="{FF7A8AC2-6ED9-B046-AD87-D1D04EBC0704}" type="presOf" srcId="{96267B3C-A5F2-4BE0-8DB4-3A96D01C5AB1}" destId="{39326879-E7D1-344F-951A-A406B8C28CBD}" srcOrd="0" destOrd="0" presId="urn:microsoft.com/office/officeart/2005/8/layout/vProcess5"/>
-    <dgm:cxn modelId="{EC73E3C5-A7A7-44E6-A78D-12A911048D9D}" srcId="{96267B3C-A5F2-4BE0-8DB4-3A96D01C5AB1}" destId="{B84965C1-39E1-465B-B5E4-F0A839C337E0}" srcOrd="1" destOrd="0" parTransId="{0D003B26-5595-468F-BD43-9E6AF27417E5}" sibTransId="{85AAD5BC-5096-4D50-ACE8-F8BE4E36CC0E}"/>
+    <dgm:cxn modelId="{BB2D66C4-AE67-4B4A-8447-AD42C480FB47}" srcId="{96267B3C-A5F2-4BE0-8DB4-3A96D01C5AB1}" destId="{FE7DB927-7A19-FC40-A048-C44B8A170369}" srcOrd="1" destOrd="0" parTransId="{10DC77E8-CB99-824A-BE7D-2E16148D86DC}" sibTransId="{0671BAE8-16D4-404C-8C80-3406866CEB2C}"/>
+    <dgm:cxn modelId="{2F59F0EA-3C08-BC41-85E3-4A8980066177}" type="presOf" srcId="{FE7DB927-7A19-FC40-A048-C44B8A170369}" destId="{F7A0E340-D2C1-3946-A73A-51ABAB5142D0}" srcOrd="1" destOrd="0" presId="urn:microsoft.com/office/officeart/2005/8/layout/vProcess5"/>
     <dgm:cxn modelId="{CFE5FCF8-F6F4-4059-B9A4-4EE115469338}" srcId="{96267B3C-A5F2-4BE0-8DB4-3A96D01C5AB1}" destId="{A3174C0B-40FE-4BBC-8C63-6559558BD20B}" srcOrd="0" destOrd="0" parTransId="{AA83F184-5120-45A2-AE46-DCD2010FD0A7}" sibTransId="{DDADB445-14C6-410C-AD8B-AE26A2E7E2C6}"/>
+    <dgm:cxn modelId="{18EC5EFB-B876-0849-B6E9-851E6BEA573E}" type="presOf" srcId="{CF32C3BB-5D8F-6C44-A460-83F95FD929F5}" destId="{A9103CC1-2C93-0648-ADF3-C188664EB57C}" srcOrd="1" destOrd="0" presId="urn:microsoft.com/office/officeart/2005/8/layout/vProcess5"/>
     <dgm:cxn modelId="{920E3249-F59D-5844-9236-5CAA89353BE5}" type="presParOf" srcId="{39326879-E7D1-344F-951A-A406B8C28CBD}" destId="{58B96854-BA52-B94A-AF5B-936E1B06B7EC}" srcOrd="0" destOrd="0" presId="urn:microsoft.com/office/officeart/2005/8/layout/vProcess5"/>
-    <dgm:cxn modelId="{F72C8B66-C4E0-3440-BD07-B1A39C549F28}" type="presParOf" srcId="{39326879-E7D1-344F-951A-A406B8C28CBD}" destId="{801CBDB7-20AB-CB42-AF3F-776EC0C9161B}" srcOrd="1" destOrd="0" presId="urn:microsoft.com/office/officeart/2005/8/layout/vProcess5"/>
-    <dgm:cxn modelId="{2DEEDD9C-CCEA-A447-B216-98B6D35589E9}" type="presParOf" srcId="{39326879-E7D1-344F-951A-A406B8C28CBD}" destId="{E8697BB9-4BC0-2948-9D8C-F6F4AB8B9586}" srcOrd="2" destOrd="0" presId="urn:microsoft.com/office/officeart/2005/8/layout/vProcess5"/>
-    <dgm:cxn modelId="{74977BF3-CD1F-9141-8F07-242E67C2F996}" type="presParOf" srcId="{39326879-E7D1-344F-951A-A406B8C28CBD}" destId="{1FC71744-7040-4343-970E-0D4BB300E390}" srcOrd="3" destOrd="0" presId="urn:microsoft.com/office/officeart/2005/8/layout/vProcess5"/>
-    <dgm:cxn modelId="{6D197346-DDF6-ED4C-92F5-16994EB5A958}" type="presParOf" srcId="{39326879-E7D1-344F-951A-A406B8C28CBD}" destId="{B19FACF5-B731-D84C-A248-F1D444730A41}" srcOrd="4" destOrd="0" presId="urn:microsoft.com/office/officeart/2005/8/layout/vProcess5"/>
-    <dgm:cxn modelId="{FF36AF9F-9E1F-2C4D-A565-58E5E6A0929C}" type="presParOf" srcId="{39326879-E7D1-344F-951A-A406B8C28CBD}" destId="{5F4024B5-01C0-2742-B2CC-6BE09187C505}" srcOrd="5" destOrd="0" presId="urn:microsoft.com/office/officeart/2005/8/layout/vProcess5"/>
-    <dgm:cxn modelId="{40EB66ED-C8C8-0145-B9BD-EA672C3BAE67}" type="presParOf" srcId="{39326879-E7D1-344F-951A-A406B8C28CBD}" destId="{000F81B1-8589-3E40-9AF1-BED41BBBC2E6}" srcOrd="6" destOrd="0" presId="urn:microsoft.com/office/officeart/2005/8/layout/vProcess5"/>
-    <dgm:cxn modelId="{4ABA1AA2-13B9-2D41-814E-E3EB0F3F0DC9}" type="presParOf" srcId="{39326879-E7D1-344F-951A-A406B8C28CBD}" destId="{561424F8-1702-0747-9E5D-625B73206E2B}" srcOrd="7" destOrd="0" presId="urn:microsoft.com/office/officeart/2005/8/layout/vProcess5"/>
-    <dgm:cxn modelId="{B8C2E23F-5D82-CA43-9C9F-0826B590E942}" type="presParOf" srcId="{39326879-E7D1-344F-951A-A406B8C28CBD}" destId="{43A03BB5-256F-FA4A-A460-7ED322999A33}" srcOrd="8" destOrd="0" presId="urn:microsoft.com/office/officeart/2005/8/layout/vProcess5"/>
-    <dgm:cxn modelId="{6798F80B-5437-E54A-B1F7-7174045B845D}" type="presParOf" srcId="{39326879-E7D1-344F-951A-A406B8C28CBD}" destId="{3C1AA6C3-3652-8246-B8D0-75AFAF233FB1}" srcOrd="9" destOrd="0" presId="urn:microsoft.com/office/officeart/2005/8/layout/vProcess5"/>
-    <dgm:cxn modelId="{A9B3E5B8-4C41-3148-B9A3-87CFD6C46301}" type="presParOf" srcId="{39326879-E7D1-344F-951A-A406B8C28CBD}" destId="{BF8155AA-FC5B-3546-97A9-FA393F6D85CB}" srcOrd="10" destOrd="0" presId="urn:microsoft.com/office/officeart/2005/8/layout/vProcess5"/>
-    <dgm:cxn modelId="{005C16B3-8372-434B-9E63-9235387B9851}" type="presParOf" srcId="{39326879-E7D1-344F-951A-A406B8C28CBD}" destId="{6CD1EC0D-17EA-1E46-89CB-FEB12FE0D27E}" srcOrd="11" destOrd="0" presId="urn:microsoft.com/office/officeart/2005/8/layout/vProcess5"/>
+    <dgm:cxn modelId="{09CFF341-3E0A-3645-9DFC-A6F1840C7C76}" type="presParOf" srcId="{39326879-E7D1-344F-951A-A406B8C28CBD}" destId="{44777C31-4FFD-3040-97AE-D6D145114A6E}" srcOrd="1" destOrd="0" presId="urn:microsoft.com/office/officeart/2005/8/layout/vProcess5"/>
+    <dgm:cxn modelId="{BD66733F-4AA3-4B42-A689-613C6F47D04A}" type="presParOf" srcId="{39326879-E7D1-344F-951A-A406B8C28CBD}" destId="{715F69CB-15A3-2645-A50D-35489150BEEF}" srcOrd="2" destOrd="0" presId="urn:microsoft.com/office/officeart/2005/8/layout/vProcess5"/>
+    <dgm:cxn modelId="{E51C5C39-DA0C-1B4A-80B0-8D22EDD85AB5}" type="presParOf" srcId="{39326879-E7D1-344F-951A-A406B8C28CBD}" destId="{44C3328D-4C2B-B04A-A10D-D8B572B227D3}" srcOrd="3" destOrd="0" presId="urn:microsoft.com/office/officeart/2005/8/layout/vProcess5"/>
+    <dgm:cxn modelId="{65A5BBBD-66A3-BD47-9A8B-0C0FF41F6407}" type="presParOf" srcId="{39326879-E7D1-344F-951A-A406B8C28CBD}" destId="{B92D9D7A-56AD-7043-87AF-7CB552A85D04}" srcOrd="4" destOrd="0" presId="urn:microsoft.com/office/officeart/2005/8/layout/vProcess5"/>
+    <dgm:cxn modelId="{A71FC14D-A91F-1449-AE33-22FD707A7D81}" type="presParOf" srcId="{39326879-E7D1-344F-951A-A406B8C28CBD}" destId="{77D8F8AC-FD77-5B4C-AB0D-B948A471E497}" srcOrd="5" destOrd="0" presId="urn:microsoft.com/office/officeart/2005/8/layout/vProcess5"/>
+    <dgm:cxn modelId="{78E0EB9A-5374-454D-AEEE-AE2ECCD5F235}" type="presParOf" srcId="{39326879-E7D1-344F-951A-A406B8C28CBD}" destId="{6788E016-E95F-DB49-AB7F-FB623276A096}" srcOrd="6" destOrd="0" presId="urn:microsoft.com/office/officeart/2005/8/layout/vProcess5"/>
+    <dgm:cxn modelId="{93BE64FD-2DF4-AE49-82D8-292917AA2675}" type="presParOf" srcId="{39326879-E7D1-344F-951A-A406B8C28CBD}" destId="{F7A0E340-D2C1-3946-A73A-51ABAB5142D0}" srcOrd="7" destOrd="0" presId="urn:microsoft.com/office/officeart/2005/8/layout/vProcess5"/>
+    <dgm:cxn modelId="{7D16715A-7BDF-6047-A550-C4EF5F063954}" type="presParOf" srcId="{39326879-E7D1-344F-951A-A406B8C28CBD}" destId="{A9103CC1-2C93-0648-ADF3-C188664EB57C}" srcOrd="8" destOrd="0" presId="urn:microsoft.com/office/officeart/2005/8/layout/vProcess5"/>
   </dgm:cxnLst>
   <dgm:bg/>
   <dgm:whole/>
@@ -1998,7 +1928,7 @@
 <dgm:dataModel xmlns:dgm="http://schemas.openxmlformats.org/drawingml/2006/diagram" xmlns:a="http://schemas.openxmlformats.org/drawingml/2006/main">
   <dgm:ptLst>
     <dgm:pt modelId="{B5274331-A7B5-43BB-BDA5-DD050CC384BB}" type="doc">
-      <dgm:prSet loTypeId="urn:microsoft.com/office/officeart/2016/7/layout/LinearBlockProcessNumbered" loCatId="process" qsTypeId="urn:microsoft.com/office/officeart/2005/8/quickstyle/simple1" qsCatId="simple" csTypeId="urn:microsoft.com/office/officeart/2005/8/colors/colorful4" csCatId="colorful"/>
+      <dgm:prSet loTypeId="urn:microsoft.com/office/officeart/2016/7/layout/LinearBlockProcessNumbered" loCatId="process" qsTypeId="urn:microsoft.com/office/officeart/2005/8/quickstyle/simple1" qsCatId="simple" csTypeId="urn:microsoft.com/office/officeart/2005/8/colors/colorful4" csCatId="colorful" phldr="1"/>
       <dgm:spPr/>
       <dgm:t>
         <a:bodyPr/>
@@ -2009,14 +1939,14 @@
       </dgm:t>
     </dgm:pt>
     <dgm:pt modelId="{AC417DD0-62A4-4FF2-B2DE-DAB2A6F60C29}">
-      <dgm:prSet/>
+      <dgm:prSet custT="1"/>
       <dgm:spPr/>
       <dgm:t>
         <a:bodyPr/>
         <a:lstStyle/>
         <a:p>
           <a:r>
-            <a:rPr lang="en-US" u="none" dirty="0">
+            <a:rPr lang="en-US" sz="1800" u="none" dirty="0">
               <a:solidFill>
                 <a:schemeClr val="bg1"/>
               </a:solidFill>
@@ -2024,7 +1954,7 @@
             <a:t>Installing Julia, using </a:t>
           </a:r>
           <a:r>
-            <a:rPr lang="en-US" u="none" dirty="0" err="1">
+            <a:rPr lang="en-US" sz="1800" u="none" dirty="0" err="1">
               <a:solidFill>
                 <a:schemeClr val="bg1"/>
               </a:solidFill>
@@ -2032,7 +1962,7 @@
             <a:t>iJulia</a:t>
           </a:r>
           <a:r>
-            <a:rPr lang="en-US" u="none" dirty="0">
+            <a:rPr lang="en-US" sz="1800" u="none" dirty="0">
               <a:solidFill>
                 <a:schemeClr val="bg1"/>
               </a:solidFill>
@@ -2040,7 +1970,7 @@
             <a:t> for </a:t>
           </a:r>
           <a:r>
-            <a:rPr lang="en-US" u="none" dirty="0" err="1">
+            <a:rPr lang="en-US" sz="1800" u="none" dirty="0" err="1">
               <a:solidFill>
                 <a:schemeClr val="bg1"/>
               </a:solidFill>
@@ -2048,7 +1978,7 @@
             <a:t>Jupyter</a:t>
           </a:r>
           <a:r>
-            <a:rPr lang="en-US" u="none" dirty="0">
+            <a:rPr lang="en-US" sz="1800" u="none" dirty="0">
               <a:solidFill>
                 <a:schemeClr val="bg1"/>
               </a:solidFill>
@@ -2077,21 +2007,22 @@
         <a:lstStyle/>
         <a:p>
           <a:r>
-            <a:rPr lang="en-US" dirty="0"/>
+            <a:rPr lang="en-US"/>
             <a:t>01</a:t>
           </a:r>
+          <a:endParaRPr lang="en-US" dirty="0"/>
         </a:p>
       </dgm:t>
     </dgm:pt>
     <dgm:pt modelId="{5B9F05B0-EC8E-4BE0-B46B-E7FA2AF31D24}">
-      <dgm:prSet/>
+      <dgm:prSet custT="1"/>
       <dgm:spPr/>
       <dgm:t>
         <a:bodyPr/>
         <a:lstStyle/>
         <a:p>
           <a:r>
-            <a:rPr lang="en-US" u="none" dirty="0">
+            <a:rPr lang="en-US" sz="1400" u="none" dirty="0">
               <a:solidFill>
                 <a:schemeClr val="bg1"/>
               </a:solidFill>
@@ -2105,7 +2036,7 @@
             </a:rPr>
             <a:t>https://www.youtube.com/watch?v=oyx8M1yoboY</a:t>
           </a:r>
-          <a:endParaRPr lang="en-US" u="none" dirty="0">
+          <a:endParaRPr lang="en-US" sz="1400" u="none" dirty="0">
             <a:solidFill>
               <a:schemeClr val="bg1"/>
             </a:solidFill>
@@ -2136,14 +2067,14 @@
       </dgm:t>
     </dgm:pt>
     <dgm:pt modelId="{EF90F982-A836-4E58-944B-9EA0630A61E6}">
-      <dgm:prSet/>
+      <dgm:prSet custT="1"/>
       <dgm:spPr/>
       <dgm:t>
         <a:bodyPr/>
         <a:lstStyle/>
         <a:p>
           <a:r>
-            <a:rPr lang="en-US" dirty="0">
+            <a:rPr lang="en-US" sz="1800" dirty="0">
               <a:solidFill>
                 <a:schemeClr val="bg1"/>
               </a:solidFill>
@@ -2151,14 +2082,14 @@
             <a:t>Programming concepts in Julia -&gt; </a:t>
           </a:r>
           <a:r>
-            <a:rPr lang="en-US" b="1" dirty="0">
+            <a:rPr lang="en-US" sz="1800" b="1" dirty="0">
               <a:solidFill>
                 <a:schemeClr val="bg1"/>
               </a:solidFill>
             </a:rPr>
             <a:t>Julia Academy</a:t>
           </a:r>
-          <a:endParaRPr lang="en-US" dirty="0">
+          <a:endParaRPr lang="en-US" sz="1800" dirty="0">
             <a:solidFill>
               <a:schemeClr val="bg1"/>
             </a:solidFill>
@@ -2192,14 +2123,14 @@
       </dgm:t>
     </dgm:pt>
     <dgm:pt modelId="{E2D08428-F470-48BC-95B2-47ACAB10C214}">
-      <dgm:prSet/>
+      <dgm:prSet custT="1"/>
       <dgm:spPr/>
       <dgm:t>
         <a:bodyPr/>
         <a:lstStyle/>
         <a:p>
           <a:r>
-            <a:rPr lang="en-US">
+            <a:rPr lang="en-US" sz="1400" dirty="0">
               <a:solidFill>
                 <a:schemeClr val="bg1"/>
               </a:solidFill>
@@ -2213,7 +2144,7 @@
             </a:rPr>
             <a:t>https://juliaacademy.com/p/julia-programming-for-nervous-beginners</a:t>
           </a:r>
-          <a:endParaRPr lang="en-US">
+          <a:endParaRPr lang="en-US" sz="1400" dirty="0">
             <a:solidFill>
               <a:schemeClr val="bg1"/>
             </a:solidFill>
@@ -2244,14 +2175,14 @@
       </dgm:t>
     </dgm:pt>
     <dgm:pt modelId="{A0255451-9DA9-429A-9860-792915855691}">
-      <dgm:prSet/>
+      <dgm:prSet custT="1"/>
       <dgm:spPr/>
       <dgm:t>
         <a:bodyPr/>
         <a:lstStyle/>
         <a:p>
           <a:r>
-            <a:rPr lang="en-US">
+            <a:rPr lang="en-US" sz="1400" dirty="0">
               <a:solidFill>
                 <a:schemeClr val="bg1"/>
               </a:solidFill>
@@ -2265,7 +2196,7 @@
             </a:rPr>
             <a:t>https://juliaacademy.com/p/intro-to-julia</a:t>
           </a:r>
-          <a:endParaRPr lang="en-US">
+          <a:endParaRPr lang="en-US" sz="1400" dirty="0">
             <a:solidFill>
               <a:schemeClr val="bg1"/>
             </a:solidFill>
@@ -2296,14 +2227,14 @@
       </dgm:t>
     </dgm:pt>
     <dgm:pt modelId="{AB8035B1-D5D4-4808-9D0D-B6BF7730F191}">
-      <dgm:prSet/>
+      <dgm:prSet custT="1"/>
       <dgm:spPr/>
       <dgm:t>
         <a:bodyPr/>
         <a:lstStyle/>
         <a:p>
           <a:r>
-            <a:rPr lang="en-US" dirty="0">
+            <a:rPr lang="en-US" sz="1400" dirty="0">
               <a:solidFill>
                 <a:schemeClr val="bg1"/>
               </a:solidFill>
@@ -2317,7 +2248,7 @@
             </a:rPr>
             <a:t>https://juliaacademy.com/p/julia-for-data-science</a:t>
           </a:r>
-          <a:endParaRPr lang="en-US" dirty="0">
+          <a:endParaRPr lang="en-US" sz="1400" dirty="0">
             <a:solidFill>
               <a:schemeClr val="bg1"/>
             </a:solidFill>
@@ -2347,6 +2278,90 @@
         </a:p>
       </dgm:t>
     </dgm:pt>
+    <dgm:pt modelId="{21F9C652-D740-D34B-A991-C4A3920B271D}">
+      <dgm:prSet custT="1"/>
+      <dgm:spPr/>
+      <dgm:t>
+        <a:bodyPr/>
+        <a:lstStyle/>
+        <a:p>
+          <a:r>
+            <a:rPr lang="en-US" sz="1800" dirty="0"/>
+            <a:t>Statistical concepts or packages</a:t>
+          </a:r>
+        </a:p>
+      </dgm:t>
+    </dgm:pt>
+    <dgm:pt modelId="{11CD098B-48D7-064D-BC4F-D63CEA2F660F}" type="parTrans" cxnId="{61C6493F-E656-0C4E-8278-5C1F66E31672}">
+      <dgm:prSet/>
+      <dgm:spPr/>
+      <dgm:t>
+        <a:bodyPr/>
+        <a:lstStyle/>
+        <a:p>
+          <a:endParaRPr lang="en-US"/>
+        </a:p>
+      </dgm:t>
+    </dgm:pt>
+    <dgm:pt modelId="{15258565-AE0A-C442-8484-40414EA9F978}" type="sibTrans" cxnId="{61C6493F-E656-0C4E-8278-5C1F66E31672}">
+      <dgm:prSet phldrT="03" phldr="0"/>
+      <dgm:spPr/>
+      <dgm:t>
+        <a:bodyPr/>
+        <a:lstStyle/>
+        <a:p>
+          <a:r>
+            <a:rPr lang="en-US"/>
+            <a:t>03</a:t>
+          </a:r>
+        </a:p>
+      </dgm:t>
+    </dgm:pt>
+    <dgm:pt modelId="{A2693BE7-51F7-924C-B2E8-7BB5B2C404DC}">
+      <dgm:prSet custT="1"/>
+      <dgm:spPr/>
+      <dgm:t>
+        <a:bodyPr/>
+        <a:lstStyle/>
+        <a:p>
+          <a:r>
+            <a:rPr lang="en-US" sz="1400" dirty="0"/>
+            <a:t>https://</a:t>
+          </a:r>
+          <a:r>
+            <a:rPr lang="en-US" sz="1400" dirty="0" err="1"/>
+            <a:t>juliastats.org</a:t>
+          </a:r>
+          <a:r>
+            <a:rPr lang="en-US" sz="1400" dirty="0"/>
+            <a:t>/</a:t>
+          </a:r>
+          <a:r>
+            <a:rPr lang="en-US" sz="1400" dirty="0" err="1"/>
+            <a:t>MixedModels.jl</a:t>
+          </a:r>
+          <a:r>
+            <a:rPr lang="en-US" sz="1400" dirty="0"/>
+            <a:t>/dev/</a:t>
+          </a:r>
+        </a:p>
+      </dgm:t>
+    </dgm:pt>
+    <dgm:pt modelId="{AA67675A-EFA6-904F-AE12-35931457B990}" type="parTrans" cxnId="{5737F2A8-4E7B-8A44-9A4C-F94F50537E28}">
+      <dgm:prSet/>
+      <dgm:spPr/>
+      <dgm:t>
+        <a:bodyPr/>
+        <a:lstStyle/>
+        <a:p>
+          <a:endParaRPr lang="en-US"/>
+        </a:p>
+      </dgm:t>
+    </dgm:pt>
+    <dgm:pt modelId="{CF0D9B8D-CB58-354F-B924-8AFBA8BC050A}" type="sibTrans" cxnId="{5737F2A8-4E7B-8A44-9A4C-F94F50537E28}">
+      <dgm:prSet phldrT="04" phldr="0"/>
+      <dgm:spPr/>
+    </dgm:pt>
     <dgm:pt modelId="{76138879-D343-854E-8EE3-6DD936E583CA}" type="pres">
       <dgm:prSet presAssocID="{B5274331-A7B5-43BB-BDA5-DD050CC384BB}" presName="Name0" presStyleCnt="0">
         <dgm:presLayoutVars>
@@ -2365,11 +2380,11 @@
       <dgm:spPr/>
     </dgm:pt>
     <dgm:pt modelId="{49F55A9D-1D61-A44E-B099-488856AFEDCB}" type="pres">
-      <dgm:prSet presAssocID="{AC417DD0-62A4-4FF2-B2DE-DAB2A6F60C29}" presName="bgRect" presStyleLbl="alignNode1" presStyleIdx="0" presStyleCnt="2"/>
+      <dgm:prSet presAssocID="{AC417DD0-62A4-4FF2-B2DE-DAB2A6F60C29}" presName="bgRect" presStyleLbl="alignNode1" presStyleIdx="0" presStyleCnt="3"/>
       <dgm:spPr/>
     </dgm:pt>
     <dgm:pt modelId="{D43C9EA9-48EC-FA4D-BF6C-9FBE078747CD}" type="pres">
-      <dgm:prSet presAssocID="{89B29FAA-5098-4FF1-A6FC-60C07BD203D1}" presName="sibTransNodeRect" presStyleLbl="alignNode1" presStyleIdx="0" presStyleCnt="2">
+      <dgm:prSet presAssocID="{89B29FAA-5098-4FF1-A6FC-60C07BD203D1}" presName="sibTransNodeRect" presStyleLbl="alignNode1" presStyleIdx="0" presStyleCnt="3">
         <dgm:presLayoutVars>
           <dgm:chMax val="0"/>
           <dgm:bulletEnabled val="1"/>
@@ -2378,7 +2393,7 @@
       <dgm:spPr/>
     </dgm:pt>
     <dgm:pt modelId="{3198902B-7DE1-A54D-AAA4-916C858510E2}" type="pres">
-      <dgm:prSet presAssocID="{AC417DD0-62A4-4FF2-B2DE-DAB2A6F60C29}" presName="nodeRect" presStyleLbl="alignNode1" presStyleIdx="0" presStyleCnt="2">
+      <dgm:prSet presAssocID="{AC417DD0-62A4-4FF2-B2DE-DAB2A6F60C29}" presName="nodeRect" presStyleLbl="alignNode1" presStyleIdx="0" presStyleCnt="3">
         <dgm:presLayoutVars>
           <dgm:bulletEnabled val="1"/>
         </dgm:presLayoutVars>
@@ -2398,11 +2413,11 @@
       <dgm:spPr/>
     </dgm:pt>
     <dgm:pt modelId="{0FFAD766-FC97-7C4B-8885-6A881E7CEDD0}" type="pres">
-      <dgm:prSet presAssocID="{EF90F982-A836-4E58-944B-9EA0630A61E6}" presName="bgRect" presStyleLbl="alignNode1" presStyleIdx="1" presStyleCnt="2"/>
+      <dgm:prSet presAssocID="{EF90F982-A836-4E58-944B-9EA0630A61E6}" presName="bgRect" presStyleLbl="alignNode1" presStyleIdx="1" presStyleCnt="3"/>
       <dgm:spPr/>
     </dgm:pt>
     <dgm:pt modelId="{0BB388A3-B430-6C4F-B2FC-F7A1B4C4DF1F}" type="pres">
-      <dgm:prSet presAssocID="{93B50B9F-D135-4BBD-8D7F-B7BA8BD66E70}" presName="sibTransNodeRect" presStyleLbl="alignNode1" presStyleIdx="1" presStyleCnt="2">
+      <dgm:prSet presAssocID="{93B50B9F-D135-4BBD-8D7F-B7BA8BD66E70}" presName="sibTransNodeRect" presStyleLbl="alignNode1" presStyleIdx="1" presStyleCnt="3">
         <dgm:presLayoutVars>
           <dgm:chMax val="0"/>
           <dgm:bulletEnabled val="1"/>
@@ -2411,7 +2426,40 @@
       <dgm:spPr/>
     </dgm:pt>
     <dgm:pt modelId="{8F0FE934-A63A-E54F-B2ED-34B8C2C389A5}" type="pres">
-      <dgm:prSet presAssocID="{EF90F982-A836-4E58-944B-9EA0630A61E6}" presName="nodeRect" presStyleLbl="alignNode1" presStyleIdx="1" presStyleCnt="2">
+      <dgm:prSet presAssocID="{EF90F982-A836-4E58-944B-9EA0630A61E6}" presName="nodeRect" presStyleLbl="alignNode1" presStyleIdx="1" presStyleCnt="3">
+        <dgm:presLayoutVars>
+          <dgm:bulletEnabled val="1"/>
+        </dgm:presLayoutVars>
+      </dgm:prSet>
+      <dgm:spPr/>
+    </dgm:pt>
+    <dgm:pt modelId="{F5F6FEEF-E346-3E41-B588-4A8B9BA15A7D}" type="pres">
+      <dgm:prSet presAssocID="{93B50B9F-D135-4BBD-8D7F-B7BA8BD66E70}" presName="sibTrans" presStyleCnt="0"/>
+      <dgm:spPr/>
+    </dgm:pt>
+    <dgm:pt modelId="{999BD154-970E-AB44-8EFF-316977691D70}" type="pres">
+      <dgm:prSet presAssocID="{21F9C652-D740-D34B-A991-C4A3920B271D}" presName="compositeNode" presStyleCnt="0">
+        <dgm:presLayoutVars>
+          <dgm:bulletEnabled val="1"/>
+        </dgm:presLayoutVars>
+      </dgm:prSet>
+      <dgm:spPr/>
+    </dgm:pt>
+    <dgm:pt modelId="{AD9A30AB-D1E5-B34E-8B98-9E38E4253A82}" type="pres">
+      <dgm:prSet presAssocID="{21F9C652-D740-D34B-A991-C4A3920B271D}" presName="bgRect" presStyleLbl="alignNode1" presStyleIdx="2" presStyleCnt="3"/>
+      <dgm:spPr/>
+    </dgm:pt>
+    <dgm:pt modelId="{BACC478A-8A22-5448-A998-38434066DE39}" type="pres">
+      <dgm:prSet presAssocID="{15258565-AE0A-C442-8484-40414EA9F978}" presName="sibTransNodeRect" presStyleLbl="alignNode1" presStyleIdx="2" presStyleCnt="3">
+        <dgm:presLayoutVars>
+          <dgm:chMax val="0"/>
+          <dgm:bulletEnabled val="1"/>
+        </dgm:presLayoutVars>
+      </dgm:prSet>
+      <dgm:spPr/>
+    </dgm:pt>
+    <dgm:pt modelId="{59BF6915-5095-F44E-A169-BB48479A2085}" type="pres">
+      <dgm:prSet presAssocID="{21F9C652-D740-D34B-A991-C4A3920B271D}" presName="nodeRect" presStyleLbl="alignNode1" presStyleIdx="2" presStyleCnt="3">
         <dgm:presLayoutVars>
           <dgm:bulletEnabled val="1"/>
         </dgm:presLayoutVars>
@@ -2425,18 +2473,24 @@
     <dgm:cxn modelId="{21483730-215F-46C0-B2E7-DC0EFD90E01B}" srcId="{AC417DD0-62A4-4FF2-B2DE-DAB2A6F60C29}" destId="{5B9F05B0-EC8E-4BE0-B46B-E7FA2AF31D24}" srcOrd="0" destOrd="0" parTransId="{8C994780-20A2-4DB9-8671-02E56F9BAD8E}" sibTransId="{AF901790-88D7-4BA0-9BE8-499CCA2A106E}"/>
     <dgm:cxn modelId="{4336E73A-E8A5-3E4B-836D-FBA450C715FA}" type="presOf" srcId="{AC417DD0-62A4-4FF2-B2DE-DAB2A6F60C29}" destId="{3198902B-7DE1-A54D-AAA4-916C858510E2}" srcOrd="1" destOrd="0" presId="urn:microsoft.com/office/officeart/2016/7/layout/LinearBlockProcessNumbered"/>
     <dgm:cxn modelId="{6286F33B-FD93-2D4B-8814-17922D8CAE5D}" type="presOf" srcId="{AB8035B1-D5D4-4808-9D0D-B6BF7730F191}" destId="{8F0FE934-A63A-E54F-B2ED-34B8C2C389A5}" srcOrd="0" destOrd="3" presId="urn:microsoft.com/office/officeart/2016/7/layout/LinearBlockProcessNumbered"/>
+    <dgm:cxn modelId="{61C6493F-E656-0C4E-8278-5C1F66E31672}" srcId="{B5274331-A7B5-43BB-BDA5-DD050CC384BB}" destId="{21F9C652-D740-D34B-A991-C4A3920B271D}" srcOrd="2" destOrd="0" parTransId="{11CD098B-48D7-064D-BC4F-D63CEA2F660F}" sibTransId="{15258565-AE0A-C442-8484-40414EA9F978}"/>
+    <dgm:cxn modelId="{33E9A645-7ECE-AF4E-BB90-87A4F64EA69F}" type="presOf" srcId="{21F9C652-D740-D34B-A991-C4A3920B271D}" destId="{AD9A30AB-D1E5-B34E-8B98-9E38E4253A82}" srcOrd="0" destOrd="0" presId="urn:microsoft.com/office/officeart/2016/7/layout/LinearBlockProcessNumbered"/>
     <dgm:cxn modelId="{F3319D6C-759B-A348-A0F4-FBC89D05377A}" type="presOf" srcId="{B5274331-A7B5-43BB-BDA5-DD050CC384BB}" destId="{76138879-D343-854E-8EE3-6DD936E583CA}" srcOrd="0" destOrd="0" presId="urn:microsoft.com/office/officeart/2016/7/layout/LinearBlockProcessNumbered"/>
     <dgm:cxn modelId="{C5B0F17F-2DF0-2242-8F75-0F4F7097071D}" type="presOf" srcId="{EF90F982-A836-4E58-944B-9EA0630A61E6}" destId="{0FFAD766-FC97-7C4B-8885-6A881E7CEDD0}" srcOrd="0" destOrd="0" presId="urn:microsoft.com/office/officeart/2016/7/layout/LinearBlockProcessNumbered"/>
     <dgm:cxn modelId="{A2C27883-B7E4-CF43-82BF-D94032A51C04}" type="presOf" srcId="{89B29FAA-5098-4FF1-A6FC-60C07BD203D1}" destId="{D43C9EA9-48EC-FA4D-BF6C-9FBE078747CD}" srcOrd="0" destOrd="0" presId="urn:microsoft.com/office/officeart/2016/7/layout/LinearBlockProcessNumbered"/>
     <dgm:cxn modelId="{5CEDF390-05C5-47DD-8F5A-47E1C3B49DD0}" srcId="{B5274331-A7B5-43BB-BDA5-DD050CC384BB}" destId="{EF90F982-A836-4E58-944B-9EA0630A61E6}" srcOrd="1" destOrd="0" parTransId="{69CBC424-6DAF-4D02-A5CF-C08264A4CD8A}" sibTransId="{93B50B9F-D135-4BBD-8D7F-B7BA8BD66E70}"/>
     <dgm:cxn modelId="{E8837A99-F515-9E4F-B780-0D8AAF3B75AD}" type="presOf" srcId="{A0255451-9DA9-429A-9860-792915855691}" destId="{8F0FE934-A63A-E54F-B2ED-34B8C2C389A5}" srcOrd="0" destOrd="2" presId="urn:microsoft.com/office/officeart/2016/7/layout/LinearBlockProcessNumbered"/>
     <dgm:cxn modelId="{1DFB809C-044E-2348-8AE7-0C7393AFC44D}" type="presOf" srcId="{E2D08428-F470-48BC-95B2-47ACAB10C214}" destId="{8F0FE934-A63A-E54F-B2ED-34B8C2C389A5}" srcOrd="0" destOrd="1" presId="urn:microsoft.com/office/officeart/2016/7/layout/LinearBlockProcessNumbered"/>
+    <dgm:cxn modelId="{5737F2A8-4E7B-8A44-9A4C-F94F50537E28}" srcId="{21F9C652-D740-D34B-A991-C4A3920B271D}" destId="{A2693BE7-51F7-924C-B2E8-7BB5B2C404DC}" srcOrd="0" destOrd="0" parTransId="{AA67675A-EFA6-904F-AE12-35931457B990}" sibTransId="{CF0D9B8D-CB58-354F-B924-8AFBA8BC050A}"/>
     <dgm:cxn modelId="{F67AF3AD-1E75-DE4A-B98C-F761F21C9275}" type="presOf" srcId="{AC417DD0-62A4-4FF2-B2DE-DAB2A6F60C29}" destId="{49F55A9D-1D61-A44E-B099-488856AFEDCB}" srcOrd="0" destOrd="0" presId="urn:microsoft.com/office/officeart/2016/7/layout/LinearBlockProcessNumbered"/>
     <dgm:cxn modelId="{83B851BB-CFA4-4713-A6DE-6665AE0D07E6}" srcId="{EF90F982-A836-4E58-944B-9EA0630A61E6}" destId="{A0255451-9DA9-429A-9860-792915855691}" srcOrd="1" destOrd="0" parTransId="{2D425C61-C0C1-482B-AE14-2AD74BB9E685}" sibTransId="{1AE88520-9445-4AD5-B8F3-5EE7222A0943}"/>
     <dgm:cxn modelId="{C5E0AFBC-E76E-394E-BAF2-84CB15D92F51}" type="presOf" srcId="{93B50B9F-D135-4BBD-8D7F-B7BA8BD66E70}" destId="{0BB388A3-B430-6C4F-B2FC-F7A1B4C4DF1F}" srcOrd="0" destOrd="0" presId="urn:microsoft.com/office/officeart/2016/7/layout/LinearBlockProcessNumbered"/>
+    <dgm:cxn modelId="{5C19D0C0-EF6D-5146-8110-0810E780CFA5}" type="presOf" srcId="{21F9C652-D740-D34B-A991-C4A3920B271D}" destId="{59BF6915-5095-F44E-A169-BB48479A2085}" srcOrd="1" destOrd="0" presId="urn:microsoft.com/office/officeart/2016/7/layout/LinearBlockProcessNumbered"/>
     <dgm:cxn modelId="{17545ACE-460B-464B-9EF6-E56128B1A303}" srcId="{B5274331-A7B5-43BB-BDA5-DD050CC384BB}" destId="{AC417DD0-62A4-4FF2-B2DE-DAB2A6F60C29}" srcOrd="0" destOrd="0" parTransId="{F08B974E-C3BD-430D-9C6B-29FB93A3A9A0}" sibTransId="{89B29FAA-5098-4FF1-A6FC-60C07BD203D1}"/>
+    <dgm:cxn modelId="{288C46D1-C58B-214B-9FBE-0A7DB6BB5215}" type="presOf" srcId="{A2693BE7-51F7-924C-B2E8-7BB5B2C404DC}" destId="{59BF6915-5095-F44E-A169-BB48479A2085}" srcOrd="0" destOrd="1" presId="urn:microsoft.com/office/officeart/2016/7/layout/LinearBlockProcessNumbered"/>
     <dgm:cxn modelId="{E91A4CE1-6903-43BA-9FD4-F64C9C59E149}" srcId="{EF90F982-A836-4E58-944B-9EA0630A61E6}" destId="{AB8035B1-D5D4-4808-9D0D-B6BF7730F191}" srcOrd="2" destOrd="0" parTransId="{F08B2B88-9DE1-44F8-93F0-D9CE1302EE44}" sibTransId="{78284296-AD7E-4DB0-8F14-B069EA2E59F5}"/>
     <dgm:cxn modelId="{34CDBFE8-5152-6045-8787-775838F0E7BB}" type="presOf" srcId="{EF90F982-A836-4E58-944B-9EA0630A61E6}" destId="{8F0FE934-A63A-E54F-B2ED-34B8C2C389A5}" srcOrd="1" destOrd="0" presId="urn:microsoft.com/office/officeart/2016/7/layout/LinearBlockProcessNumbered"/>
+    <dgm:cxn modelId="{B8B667EB-BA8B-F744-9092-DB3906C482AF}" type="presOf" srcId="{15258565-AE0A-C442-8484-40414EA9F978}" destId="{BACC478A-8A22-5448-A998-38434066DE39}" srcOrd="0" destOrd="0" presId="urn:microsoft.com/office/officeart/2016/7/layout/LinearBlockProcessNumbered"/>
     <dgm:cxn modelId="{D7EBB7F9-EB08-B948-8A44-EC4637580ABC}" type="presParOf" srcId="{76138879-D343-854E-8EE3-6DD936E583CA}" destId="{FB12877B-263F-414F-B49A-0C219B0D6B28}" srcOrd="0" destOrd="0" presId="urn:microsoft.com/office/officeart/2016/7/layout/LinearBlockProcessNumbered"/>
     <dgm:cxn modelId="{FFA47D8B-20E0-3745-A344-7742EDEBDBC1}" type="presParOf" srcId="{FB12877B-263F-414F-B49A-0C219B0D6B28}" destId="{49F55A9D-1D61-A44E-B099-488856AFEDCB}" srcOrd="0" destOrd="0" presId="urn:microsoft.com/office/officeart/2016/7/layout/LinearBlockProcessNumbered"/>
     <dgm:cxn modelId="{2EC7B6F3-F137-494C-BEE8-D7A290D2B745}" type="presParOf" srcId="{FB12877B-263F-414F-B49A-0C219B0D6B28}" destId="{D43C9EA9-48EC-FA4D-BF6C-9FBE078747CD}" srcOrd="1" destOrd="0" presId="urn:microsoft.com/office/officeart/2016/7/layout/LinearBlockProcessNumbered"/>
@@ -2446,6 +2500,11 @@
     <dgm:cxn modelId="{3654F00D-A852-C949-AFFA-8B1FDA1ECED2}" type="presParOf" srcId="{E9A48E0E-2FB4-664A-AE80-5C097CF69302}" destId="{0FFAD766-FC97-7C4B-8885-6A881E7CEDD0}" srcOrd="0" destOrd="0" presId="urn:microsoft.com/office/officeart/2016/7/layout/LinearBlockProcessNumbered"/>
     <dgm:cxn modelId="{3D1B816A-DD35-6C45-9E66-1007D04FFD9F}" type="presParOf" srcId="{E9A48E0E-2FB4-664A-AE80-5C097CF69302}" destId="{0BB388A3-B430-6C4F-B2FC-F7A1B4C4DF1F}" srcOrd="1" destOrd="0" presId="urn:microsoft.com/office/officeart/2016/7/layout/LinearBlockProcessNumbered"/>
     <dgm:cxn modelId="{EAABE0B1-9AC8-6F45-A439-48F6675E7B3A}" type="presParOf" srcId="{E9A48E0E-2FB4-664A-AE80-5C097CF69302}" destId="{8F0FE934-A63A-E54F-B2ED-34B8C2C389A5}" srcOrd="2" destOrd="0" presId="urn:microsoft.com/office/officeart/2016/7/layout/LinearBlockProcessNumbered"/>
+    <dgm:cxn modelId="{59E5EFC7-2496-4B4D-A7B6-9DF21437A028}" type="presParOf" srcId="{76138879-D343-854E-8EE3-6DD936E583CA}" destId="{F5F6FEEF-E346-3E41-B588-4A8B9BA15A7D}" srcOrd="3" destOrd="0" presId="urn:microsoft.com/office/officeart/2016/7/layout/LinearBlockProcessNumbered"/>
+    <dgm:cxn modelId="{7350293F-CD7D-7E45-8D99-988B1589F071}" type="presParOf" srcId="{76138879-D343-854E-8EE3-6DD936E583CA}" destId="{999BD154-970E-AB44-8EFF-316977691D70}" srcOrd="4" destOrd="0" presId="urn:microsoft.com/office/officeart/2016/7/layout/LinearBlockProcessNumbered"/>
+    <dgm:cxn modelId="{48F29055-15F8-0242-82DD-D48636C2967E}" type="presParOf" srcId="{999BD154-970E-AB44-8EFF-316977691D70}" destId="{AD9A30AB-D1E5-B34E-8B98-9E38E4253A82}" srcOrd="0" destOrd="0" presId="urn:microsoft.com/office/officeart/2016/7/layout/LinearBlockProcessNumbered"/>
+    <dgm:cxn modelId="{B922B48D-CECC-7B46-8400-9675E2039CAC}" type="presParOf" srcId="{999BD154-970E-AB44-8EFF-316977691D70}" destId="{BACC478A-8A22-5448-A998-38434066DE39}" srcOrd="1" destOrd="0" presId="urn:microsoft.com/office/officeart/2016/7/layout/LinearBlockProcessNumbered"/>
+    <dgm:cxn modelId="{AD3C706A-C829-5544-8C16-23FDE39DA962}" type="presParOf" srcId="{999BD154-970E-AB44-8EFF-316977691D70}" destId="{59BF6915-5095-F44E-A169-BB48479A2085}" srcOrd="2" destOrd="0" presId="urn:microsoft.com/office/officeart/2016/7/layout/LinearBlockProcessNumbered"/>
   </dgm:cxnLst>
   <dgm:bg/>
   <dgm:whole/>
@@ -2465,7 +2524,7 @@
       <dsp:cNvGrpSpPr/>
     </dsp:nvGrpSpPr>
     <dsp:grpSpPr/>
-    <dsp:sp modelId="{801CBDB7-20AB-CB42-AF3F-776EC0C9161B}">
+    <dsp:sp modelId="{44777C31-4FFD-3040-97AE-D6D145114A6E}">
       <dsp:nvSpPr>
         <dsp:cNvPr id="0" name=""/>
         <dsp:cNvSpPr/>
@@ -2473,7 +2532,7 @@
       <dsp:spPr>
         <a:xfrm>
           <a:off x="0" y="0"/>
-          <a:ext cx="7680960" cy="787908"/>
+          <a:ext cx="8161020" cy="1074420"/>
         </a:xfrm>
         <a:prstGeom prst="roundRect">
           <a:avLst>
@@ -2516,12 +2575,12 @@
         </a:fontRef>
       </dsp:style>
       <dsp:txBody>
-        <a:bodyPr spcFirstLastPara="0" vert="horz" wrap="square" lIns="102870" tIns="102870" rIns="102870" bIns="102870" numCol="1" spcCol="1270" anchor="ctr" anchorCtr="0">
+        <a:bodyPr spcFirstLastPara="0" vert="horz" wrap="square" lIns="114300" tIns="114300" rIns="114300" bIns="114300" numCol="1" spcCol="1270" anchor="ctr" anchorCtr="0">
           <a:noAutofit/>
         </a:bodyPr>
         <a:lstStyle/>
         <a:p>
-          <a:pPr marL="0" lvl="0" indent="0" algn="l" defTabSz="1200150">
+          <a:pPr marL="0" lvl="0" indent="0" algn="l" defTabSz="1333500">
             <a:lnSpc>
               <a:spcPct val="90000"/>
             </a:lnSpc>
@@ -2534,25 +2593,25 @@
             <a:buNone/>
           </a:pPr>
           <a:r>
-            <a:rPr lang="en-US" sz="2700" kern="1200"/>
-            <a:t>Why Julia?</a:t>
+            <a:rPr lang="en-US" sz="3000" kern="1200" dirty="0"/>
+            <a:t>What is Julia and why should you consider it?</a:t>
           </a:r>
         </a:p>
       </dsp:txBody>
       <dsp:txXfrm>
-        <a:off x="23077" y="23077"/>
-        <a:ext cx="6764167" cy="741754"/>
+        <a:off x="31469" y="31469"/>
+        <a:ext cx="7001636" cy="1011482"/>
       </dsp:txXfrm>
     </dsp:sp>
-    <dsp:sp modelId="{E8697BB9-4BC0-2948-9D8C-F6F4AB8B9586}">
+    <dsp:sp modelId="{715F69CB-15A3-2645-A50D-35489150BEEF}">
       <dsp:nvSpPr>
         <dsp:cNvPr id="0" name=""/>
         <dsp:cNvSpPr/>
       </dsp:nvSpPr>
       <dsp:spPr>
         <a:xfrm>
-          <a:off x="643280" y="931164"/>
-          <a:ext cx="7680960" cy="787908"/>
+          <a:off x="720089" y="1253489"/>
+          <a:ext cx="8161020" cy="1074420"/>
         </a:xfrm>
         <a:prstGeom prst="roundRect">
           <a:avLst>
@@ -2561,9 +2620,9 @@
         </a:prstGeom>
         <a:solidFill>
           <a:schemeClr val="accent4">
-            <a:hueOff val="1601170"/>
-            <a:satOff val="6061"/>
-            <a:lumOff val="-392"/>
+            <a:hueOff val="2401755"/>
+            <a:satOff val="9091"/>
+            <a:lumOff val="-588"/>
             <a:alphaOff val="0"/>
           </a:schemeClr>
         </a:solidFill>
@@ -2595,12 +2654,12 @@
         </a:fontRef>
       </dsp:style>
       <dsp:txBody>
-        <a:bodyPr spcFirstLastPara="0" vert="horz" wrap="square" lIns="102870" tIns="102870" rIns="102870" bIns="102870" numCol="1" spcCol="1270" anchor="ctr" anchorCtr="0">
+        <a:bodyPr spcFirstLastPara="0" vert="horz" wrap="square" lIns="114300" tIns="114300" rIns="114300" bIns="114300" numCol="1" spcCol="1270" anchor="ctr" anchorCtr="0">
           <a:noAutofit/>
         </a:bodyPr>
         <a:lstStyle/>
         <a:p>
-          <a:pPr marL="0" lvl="0" indent="0" algn="l" defTabSz="1200150">
+          <a:pPr marL="0" lvl="0" indent="0" algn="l" defTabSz="1333500">
             <a:lnSpc>
               <a:spcPct val="90000"/>
             </a:lnSpc>
@@ -2613,109 +2672,25 @@
             <a:buNone/>
           </a:pPr>
           <a:r>
-            <a:rPr lang="en-US" sz="2700" kern="1200" dirty="0"/>
-            <a:t>Using Julia and R in the Julia REPL </a:t>
+            <a:rPr lang="en-US" sz="3000" kern="1200" dirty="0"/>
+            <a:t>Julia Basics, using R &amp; Julia, and Julia for Data Science</a:t>
           </a:r>
         </a:p>
       </dsp:txBody>
       <dsp:txXfrm>
-        <a:off x="666357" y="954241"/>
-        <a:ext cx="6479385" cy="741754"/>
+        <a:off x="751558" y="1284958"/>
+        <a:ext cx="6679619" cy="1011482"/>
       </dsp:txXfrm>
     </dsp:sp>
-    <dsp:sp modelId="{1FC71744-7040-4343-970E-0D4BB300E390}">
+    <dsp:sp modelId="{44C3328D-4C2B-B04A-A10D-D8B572B227D3}">
       <dsp:nvSpPr>
         <dsp:cNvPr id="0" name=""/>
         <dsp:cNvSpPr/>
       </dsp:nvSpPr>
       <dsp:spPr>
         <a:xfrm>
-          <a:off x="1276959" y="1862328"/>
-          <a:ext cx="7680960" cy="787908"/>
-        </a:xfrm>
-        <a:prstGeom prst="roundRect">
-          <a:avLst>
-            <a:gd name="adj" fmla="val 10000"/>
-          </a:avLst>
-        </a:prstGeom>
-        <a:solidFill>
-          <a:schemeClr val="accent4">
-            <a:hueOff val="3202340"/>
-            <a:satOff val="12121"/>
-            <a:lumOff val="-785"/>
-            <a:alphaOff val="0"/>
-          </a:schemeClr>
-        </a:solidFill>
-        <a:ln w="34925" cap="flat" cmpd="sng" algn="in">
-          <a:solidFill>
-            <a:schemeClr val="lt1">
-              <a:hueOff val="0"/>
-              <a:satOff val="0"/>
-              <a:lumOff val="0"/>
-              <a:alphaOff val="0"/>
-            </a:schemeClr>
-          </a:solidFill>
-          <a:prstDash val="solid"/>
-        </a:ln>
-        <a:effectLst/>
-      </dsp:spPr>
-      <dsp:style>
-        <a:lnRef idx="2">
-          <a:scrgbClr r="0" g="0" b="0"/>
-        </a:lnRef>
-        <a:fillRef idx="1">
-          <a:scrgbClr r="0" g="0" b="0"/>
-        </a:fillRef>
-        <a:effectRef idx="0">
-          <a:scrgbClr r="0" g="0" b="0"/>
-        </a:effectRef>
-        <a:fontRef idx="minor">
-          <a:schemeClr val="lt1"/>
-        </a:fontRef>
-      </dsp:style>
-      <dsp:txBody>
-        <a:bodyPr spcFirstLastPara="0" vert="horz" wrap="square" lIns="102870" tIns="102870" rIns="102870" bIns="102870" numCol="1" spcCol="1270" anchor="ctr" anchorCtr="0">
-          <a:noAutofit/>
-        </a:bodyPr>
-        <a:lstStyle/>
-        <a:p>
-          <a:pPr marL="0" lvl="0" indent="0" algn="l" defTabSz="1200150">
-            <a:lnSpc>
-              <a:spcPct val="90000"/>
-            </a:lnSpc>
-            <a:spcBef>
-              <a:spcPct val="0"/>
-            </a:spcBef>
-            <a:spcAft>
-              <a:spcPct val="35000"/>
-            </a:spcAft>
-            <a:buNone/>
-          </a:pPr>
-          <a:r>
-            <a:rPr lang="en-US" sz="2700" kern="1200" dirty="0"/>
-            <a:t>Demo: Basics with </a:t>
-          </a:r>
-          <a:r>
-            <a:rPr lang="en-US" sz="2700" kern="1200" dirty="0" err="1"/>
-            <a:t>RCall.jl</a:t>
-          </a:r>
-          <a:endParaRPr lang="en-US" sz="2700" kern="1200" dirty="0"/>
-        </a:p>
-      </dsp:txBody>
-      <dsp:txXfrm>
-        <a:off x="1300036" y="1885405"/>
-        <a:ext cx="6488986" cy="741754"/>
-      </dsp:txXfrm>
-    </dsp:sp>
-    <dsp:sp modelId="{B19FACF5-B731-D84C-A248-F1D444730A41}">
-      <dsp:nvSpPr>
-        <dsp:cNvPr id="0" name=""/>
-        <dsp:cNvSpPr/>
-      </dsp:nvSpPr>
-      <dsp:spPr>
-        <a:xfrm>
-          <a:off x="1920239" y="2793491"/>
-          <a:ext cx="7680960" cy="787908"/>
+          <a:off x="1440179" y="2506979"/>
+          <a:ext cx="8161020" cy="1074420"/>
         </a:xfrm>
         <a:prstGeom prst="roundRect">
           <a:avLst>
@@ -2758,12 +2733,12 @@
         </a:fontRef>
       </dsp:style>
       <dsp:txBody>
-        <a:bodyPr spcFirstLastPara="0" vert="horz" wrap="square" lIns="102870" tIns="102870" rIns="102870" bIns="102870" numCol="1" spcCol="1270" anchor="ctr" anchorCtr="0">
+        <a:bodyPr spcFirstLastPara="0" vert="horz" wrap="square" lIns="114300" tIns="114300" rIns="114300" bIns="114300" numCol="1" spcCol="1270" anchor="ctr" anchorCtr="0">
           <a:noAutofit/>
         </a:bodyPr>
         <a:lstStyle/>
         <a:p>
-          <a:pPr marL="0" lvl="0" indent="0" algn="l" defTabSz="1200150">
+          <a:pPr marL="0" lvl="0" indent="0" algn="l" defTabSz="1333500">
             <a:lnSpc>
               <a:spcPct val="90000"/>
             </a:lnSpc>
@@ -2776,30 +2751,30 @@
             <a:buNone/>
           </a:pPr>
           <a:r>
-            <a:rPr lang="en-US" sz="2700" kern="1200" dirty="0"/>
-            <a:t>Demo: Fitting an LMM with </a:t>
+            <a:rPr lang="en-US" sz="3000" kern="1200" dirty="0"/>
+            <a:t>Example: Fitting an LMM with </a:t>
           </a:r>
           <a:r>
-            <a:rPr lang="en-US" sz="2700" kern="1200" dirty="0" err="1"/>
+            <a:rPr lang="en-US" sz="3000" kern="1200" dirty="0" err="1"/>
             <a:t>MixedModels.jl</a:t>
           </a:r>
-          <a:endParaRPr lang="en-US" sz="2700" kern="1200" dirty="0"/>
+          <a:endParaRPr lang="en-US" sz="3000" kern="1200" dirty="0"/>
         </a:p>
       </dsp:txBody>
       <dsp:txXfrm>
-        <a:off x="1943316" y="2816568"/>
-        <a:ext cx="6479385" cy="741754"/>
+        <a:off x="1471648" y="2538448"/>
+        <a:ext cx="6679619" cy="1011482"/>
       </dsp:txXfrm>
     </dsp:sp>
-    <dsp:sp modelId="{5F4024B5-01C0-2742-B2CC-6BE09187C505}">
+    <dsp:sp modelId="{B92D9D7A-56AD-7043-87AF-7CB552A85D04}">
       <dsp:nvSpPr>
         <dsp:cNvPr id="0" name=""/>
         <dsp:cNvSpPr/>
       </dsp:nvSpPr>
       <dsp:spPr>
         <a:xfrm>
-          <a:off x="7168819" y="603465"/>
-          <a:ext cx="512140" cy="512140"/>
+          <a:off x="7462647" y="814768"/>
+          <a:ext cx="698373" cy="698373"/>
         </a:xfrm>
         <a:prstGeom prst="downArrow">
           <a:avLst>
@@ -2845,12 +2820,12 @@
         <a:fontRef idx="minor"/>
       </dsp:style>
       <dsp:txBody>
-        <a:bodyPr spcFirstLastPara="0" vert="horz" wrap="square" lIns="30480" tIns="30480" rIns="30480" bIns="30480" numCol="1" spcCol="1270" anchor="ctr" anchorCtr="0">
+        <a:bodyPr spcFirstLastPara="0" vert="horz" wrap="square" lIns="41910" tIns="41910" rIns="41910" bIns="41910" numCol="1" spcCol="1270" anchor="ctr" anchorCtr="0">
           <a:noAutofit/>
         </a:bodyPr>
         <a:lstStyle/>
         <a:p>
-          <a:pPr marL="0" lvl="0" indent="0" algn="ctr" defTabSz="1066800">
+          <a:pPr marL="0" lvl="0" indent="0" algn="ctr" defTabSz="1466850">
             <a:lnSpc>
               <a:spcPct val="90000"/>
             </a:lnSpc>
@@ -2862,102 +2837,23 @@
             </a:spcAft>
             <a:buNone/>
           </a:pPr>
-          <a:endParaRPr lang="en-US" sz="2400" kern="1200"/>
+          <a:endParaRPr lang="en-US" sz="3300" kern="1200"/>
         </a:p>
       </dsp:txBody>
       <dsp:txXfrm>
-        <a:off x="7284051" y="603465"/>
-        <a:ext cx="281677" cy="385385"/>
+        <a:off x="7619781" y="814768"/>
+        <a:ext cx="384105" cy="525526"/>
       </dsp:txXfrm>
     </dsp:sp>
-    <dsp:sp modelId="{000F81B1-8589-3E40-9AF1-BED41BBBC2E6}">
+    <dsp:sp modelId="{77D8F8AC-FD77-5B4C-AB0D-B948A471E497}">
       <dsp:nvSpPr>
         <dsp:cNvPr id="0" name=""/>
         <dsp:cNvSpPr/>
       </dsp:nvSpPr>
       <dsp:spPr>
         <a:xfrm>
-          <a:off x="7812100" y="1534629"/>
-          <a:ext cx="512140" cy="512140"/>
-        </a:xfrm>
-        <a:prstGeom prst="downArrow">
-          <a:avLst>
-            <a:gd name="adj1" fmla="val 55000"/>
-            <a:gd name="adj2" fmla="val 45000"/>
-          </a:avLst>
-        </a:prstGeom>
-        <a:solidFill>
-          <a:schemeClr val="accent4">
-            <a:tint val="40000"/>
-            <a:alpha val="90000"/>
-            <a:hueOff val="2505343"/>
-            <a:satOff val="7103"/>
-            <a:lumOff val="8"/>
-            <a:alphaOff val="0"/>
-          </a:schemeClr>
-        </a:solidFill>
-        <a:ln w="34925" cap="flat" cmpd="sng" algn="in">
-          <a:solidFill>
-            <a:schemeClr val="accent4">
-              <a:tint val="40000"/>
-              <a:alpha val="90000"/>
-              <a:hueOff val="2505343"/>
-              <a:satOff val="7103"/>
-              <a:lumOff val="8"/>
-              <a:alphaOff val="0"/>
-            </a:schemeClr>
-          </a:solidFill>
-          <a:prstDash val="solid"/>
-        </a:ln>
-        <a:effectLst/>
-      </dsp:spPr>
-      <dsp:style>
-        <a:lnRef idx="2">
-          <a:scrgbClr r="0" g="0" b="0"/>
-        </a:lnRef>
-        <a:fillRef idx="1">
-          <a:scrgbClr r="0" g="0" b="0"/>
-        </a:fillRef>
-        <a:effectRef idx="0">
-          <a:scrgbClr r="0" g="0" b="0"/>
-        </a:effectRef>
-        <a:fontRef idx="minor"/>
-      </dsp:style>
-      <dsp:txBody>
-        <a:bodyPr spcFirstLastPara="0" vert="horz" wrap="square" lIns="30480" tIns="30480" rIns="30480" bIns="30480" numCol="1" spcCol="1270" anchor="ctr" anchorCtr="0">
-          <a:noAutofit/>
-        </a:bodyPr>
-        <a:lstStyle/>
-        <a:p>
-          <a:pPr marL="0" lvl="0" indent="0" algn="ctr" defTabSz="1066800">
-            <a:lnSpc>
-              <a:spcPct val="90000"/>
-            </a:lnSpc>
-            <a:spcBef>
-              <a:spcPct val="0"/>
-            </a:spcBef>
-            <a:spcAft>
-              <a:spcPct val="35000"/>
-            </a:spcAft>
-            <a:buNone/>
-          </a:pPr>
-          <a:endParaRPr lang="en-US" sz="2400" kern="1200"/>
-        </a:p>
-      </dsp:txBody>
-      <dsp:txXfrm>
-        <a:off x="7927332" y="1534629"/>
-        <a:ext cx="281677" cy="385385"/>
-      </dsp:txXfrm>
-    </dsp:sp>
-    <dsp:sp modelId="{561424F8-1702-0747-9E5D-625B73206E2B}">
-      <dsp:nvSpPr>
-        <dsp:cNvPr id="0" name=""/>
-        <dsp:cNvSpPr/>
-      </dsp:nvSpPr>
-      <dsp:spPr>
-        <a:xfrm>
-          <a:off x="8445779" y="2465793"/>
-          <a:ext cx="512140" cy="512140"/>
+          <a:off x="8182737" y="2061095"/>
+          <a:ext cx="698373" cy="698373"/>
         </a:xfrm>
         <a:prstGeom prst="downArrow">
           <a:avLst>
@@ -3003,12 +2899,12 @@
         <a:fontRef idx="minor"/>
       </dsp:style>
       <dsp:txBody>
-        <a:bodyPr spcFirstLastPara="0" vert="horz" wrap="square" lIns="30480" tIns="30480" rIns="30480" bIns="30480" numCol="1" spcCol="1270" anchor="ctr" anchorCtr="0">
+        <a:bodyPr spcFirstLastPara="0" vert="horz" wrap="square" lIns="41910" tIns="41910" rIns="41910" bIns="41910" numCol="1" spcCol="1270" anchor="ctr" anchorCtr="0">
           <a:noAutofit/>
         </a:bodyPr>
         <a:lstStyle/>
         <a:p>
-          <a:pPr marL="0" lvl="0" indent="0" algn="ctr" defTabSz="1066800">
+          <a:pPr marL="0" lvl="0" indent="0" algn="ctr" defTabSz="1466850">
             <a:lnSpc>
               <a:spcPct val="90000"/>
             </a:lnSpc>
@@ -3020,12 +2916,12 @@
             </a:spcAft>
             <a:buNone/>
           </a:pPr>
-          <a:endParaRPr lang="en-US" sz="2400" kern="1200"/>
+          <a:endParaRPr lang="en-US" sz="3300" kern="1200"/>
         </a:p>
       </dsp:txBody>
       <dsp:txXfrm>
-        <a:off x="8561011" y="2465793"/>
-        <a:ext cx="281677" cy="385385"/>
+        <a:off x="8339871" y="2061095"/>
+        <a:ext cx="384105" cy="525526"/>
       </dsp:txXfrm>
     </dsp:sp>
   </dsp:spTree>
@@ -3047,8 +2943,8 @@
       </dsp:nvSpPr>
       <dsp:spPr>
         <a:xfrm>
-          <a:off x="3000" y="0"/>
-          <a:ext cx="4613076" cy="3581400"/>
+          <a:off x="750" y="0"/>
+          <a:ext cx="3037879" cy="3581400"/>
         </a:xfrm>
         <a:prstGeom prst="rect">
           <a:avLst/>
@@ -3089,12 +2985,12 @@
         </a:fontRef>
       </dsp:style>
       <dsp:txBody>
-        <a:bodyPr spcFirstLastPara="0" vert="horz" wrap="square" lIns="455669" tIns="0" rIns="455669" bIns="330200" numCol="1" spcCol="1270" anchor="t" anchorCtr="0">
+        <a:bodyPr spcFirstLastPara="0" vert="horz" wrap="square" lIns="300075" tIns="0" rIns="300075" bIns="330200" numCol="1" spcCol="1270" anchor="t" anchorCtr="0">
           <a:noAutofit/>
         </a:bodyPr>
         <a:lstStyle/>
         <a:p>
-          <a:pPr marL="0" lvl="0" indent="0" algn="l" defTabSz="755650">
+          <a:pPr marL="0" lvl="0" indent="0" algn="l" defTabSz="800100">
             <a:lnSpc>
               <a:spcPct val="90000"/>
             </a:lnSpc>
@@ -3107,7 +3003,7 @@
             <a:buNone/>
           </a:pPr>
           <a:r>
-            <a:rPr lang="en-US" sz="1700" u="none" kern="1200" dirty="0">
+            <a:rPr lang="en-US" sz="1800" u="none" kern="1200" dirty="0">
               <a:solidFill>
                 <a:schemeClr val="bg1"/>
               </a:solidFill>
@@ -3115,7 +3011,7 @@
             <a:t>Installing Julia, using </a:t>
           </a:r>
           <a:r>
-            <a:rPr lang="en-US" sz="1700" u="none" kern="1200" dirty="0" err="1">
+            <a:rPr lang="en-US" sz="1800" u="none" kern="1200" dirty="0" err="1">
               <a:solidFill>
                 <a:schemeClr val="bg1"/>
               </a:solidFill>
@@ -3123,7 +3019,7 @@
             <a:t>iJulia</a:t>
           </a:r>
           <a:r>
-            <a:rPr lang="en-US" sz="1700" u="none" kern="1200" dirty="0">
+            <a:rPr lang="en-US" sz="1800" u="none" kern="1200" dirty="0">
               <a:solidFill>
                 <a:schemeClr val="bg1"/>
               </a:solidFill>
@@ -3131,7 +3027,7 @@
             <a:t> for </a:t>
           </a:r>
           <a:r>
-            <a:rPr lang="en-US" sz="1700" u="none" kern="1200" dirty="0" err="1">
+            <a:rPr lang="en-US" sz="1800" u="none" kern="1200" dirty="0" err="1">
               <a:solidFill>
                 <a:schemeClr val="bg1"/>
               </a:solidFill>
@@ -3139,7 +3035,7 @@
             <a:t>Jupyter</a:t>
           </a:r>
           <a:r>
-            <a:rPr lang="en-US" sz="1700" u="none" kern="1200" dirty="0">
+            <a:rPr lang="en-US" sz="1800" u="none" kern="1200" dirty="0">
               <a:solidFill>
                 <a:schemeClr val="bg1"/>
               </a:solidFill>
@@ -3148,7 +3044,7 @@
           </a:r>
         </a:p>
         <a:p>
-          <a:pPr marL="114300" lvl="1" indent="-114300" algn="l" defTabSz="577850">
+          <a:pPr marL="114300" lvl="1" indent="-114300" algn="l" defTabSz="622300">
             <a:lnSpc>
               <a:spcPct val="90000"/>
             </a:lnSpc>
@@ -3161,7 +3057,7 @@
             <a:buChar char="•"/>
           </a:pPr>
           <a:r>
-            <a:rPr lang="en-US" sz="1300" u="none" kern="1200" dirty="0">
+            <a:rPr lang="en-US" sz="1400" u="none" kern="1200" dirty="0">
               <a:solidFill>
                 <a:schemeClr val="bg1"/>
               </a:solidFill>
@@ -3175,7 +3071,7 @@
             </a:rPr>
             <a:t>https://www.youtube.com/watch?v=oyx8M1yoboY</a:t>
           </a:r>
-          <a:endParaRPr lang="en-US" sz="1300" u="none" kern="1200" dirty="0">
+          <a:endParaRPr lang="en-US" sz="1400" u="none" kern="1200" dirty="0">
             <a:solidFill>
               <a:schemeClr val="bg1"/>
             </a:solidFill>
@@ -3183,8 +3079,8 @@
         </a:p>
       </dsp:txBody>
       <dsp:txXfrm>
-        <a:off x="3000" y="1432559"/>
-        <a:ext cx="4613076" cy="2148840"/>
+        <a:off x="750" y="1432559"/>
+        <a:ext cx="3037879" cy="2148840"/>
       </dsp:txXfrm>
     </dsp:sp>
     <dsp:sp modelId="{D43C9EA9-48EC-FA4D-BF6C-9FBE078747CD}">
@@ -3194,8 +3090,8 @@
       </dsp:nvSpPr>
       <dsp:spPr>
         <a:xfrm>
-          <a:off x="3000" y="0"/>
-          <a:ext cx="4613076" cy="1432560"/>
+          <a:off x="750" y="0"/>
+          <a:ext cx="3037879" cy="1432560"/>
         </a:xfrm>
         <a:prstGeom prst="rect">
           <a:avLst/>
@@ -3223,7 +3119,7 @@
         </a:fontRef>
       </dsp:style>
       <dsp:txBody>
-        <a:bodyPr spcFirstLastPara="0" vert="horz" wrap="square" lIns="455669" tIns="165100" rIns="455669" bIns="165100" numCol="1" spcCol="1270" anchor="ctr" anchorCtr="0">
+        <a:bodyPr spcFirstLastPara="0" vert="horz" wrap="square" lIns="300075" tIns="165100" rIns="300075" bIns="165100" numCol="1" spcCol="1270" anchor="ctr" anchorCtr="0">
           <a:noAutofit/>
         </a:bodyPr>
         <a:lstStyle/>
@@ -3241,14 +3137,15 @@
             <a:buNone/>
           </a:pPr>
           <a:r>
-            <a:rPr lang="en-US" sz="6600" kern="1200" dirty="0"/>
+            <a:rPr lang="en-US" sz="6600" kern="1200"/>
             <a:t>01</a:t>
           </a:r>
+          <a:endParaRPr lang="en-US" sz="6600" kern="1200" dirty="0"/>
         </a:p>
       </dsp:txBody>
       <dsp:txXfrm>
-        <a:off x="3000" y="0"/>
-        <a:ext cx="4613076" cy="1432560"/>
+        <a:off x="750" y="0"/>
+        <a:ext cx="3037879" cy="1432560"/>
       </dsp:txXfrm>
     </dsp:sp>
     <dsp:sp modelId="{0FFAD766-FC97-7C4B-8885-6A881E7CEDD0}">
@@ -3258,8 +3155,268 @@
       </dsp:nvSpPr>
       <dsp:spPr>
         <a:xfrm>
-          <a:off x="4985123" y="0"/>
-          <a:ext cx="4613076" cy="3581400"/>
+          <a:off x="3281660" y="0"/>
+          <a:ext cx="3037879" cy="3581400"/>
+        </a:xfrm>
+        <a:prstGeom prst="rect">
+          <a:avLst/>
+        </a:prstGeom>
+        <a:solidFill>
+          <a:schemeClr val="accent4">
+            <a:hueOff val="2401755"/>
+            <a:satOff val="9091"/>
+            <a:lumOff val="-588"/>
+            <a:alphaOff val="0"/>
+          </a:schemeClr>
+        </a:solidFill>
+        <a:ln w="34925" cap="flat" cmpd="sng" algn="in">
+          <a:solidFill>
+            <a:schemeClr val="accent4">
+              <a:hueOff val="2401755"/>
+              <a:satOff val="9091"/>
+              <a:lumOff val="-588"/>
+              <a:alphaOff val="0"/>
+            </a:schemeClr>
+          </a:solidFill>
+          <a:prstDash val="solid"/>
+        </a:ln>
+        <a:effectLst/>
+      </dsp:spPr>
+      <dsp:style>
+        <a:lnRef idx="2">
+          <a:scrgbClr r="0" g="0" b="0"/>
+        </a:lnRef>
+        <a:fillRef idx="1">
+          <a:scrgbClr r="0" g="0" b="0"/>
+        </a:fillRef>
+        <a:effectRef idx="0">
+          <a:scrgbClr r="0" g="0" b="0"/>
+        </a:effectRef>
+        <a:fontRef idx="minor">
+          <a:schemeClr val="lt1"/>
+        </a:fontRef>
+      </dsp:style>
+      <dsp:txBody>
+        <a:bodyPr spcFirstLastPara="0" vert="horz" wrap="square" lIns="300075" tIns="0" rIns="300075" bIns="330200" numCol="1" spcCol="1270" anchor="t" anchorCtr="0">
+          <a:noAutofit/>
+        </a:bodyPr>
+        <a:lstStyle/>
+        <a:p>
+          <a:pPr marL="0" lvl="0" indent="0" algn="l" defTabSz="800100">
+            <a:lnSpc>
+              <a:spcPct val="90000"/>
+            </a:lnSpc>
+            <a:spcBef>
+              <a:spcPct val="0"/>
+            </a:spcBef>
+            <a:spcAft>
+              <a:spcPct val="35000"/>
+            </a:spcAft>
+            <a:buNone/>
+          </a:pPr>
+          <a:r>
+            <a:rPr lang="en-US" sz="1800" kern="1200" dirty="0">
+              <a:solidFill>
+                <a:schemeClr val="bg1"/>
+              </a:solidFill>
+            </a:rPr>
+            <a:t>Programming concepts in Julia -&gt; </a:t>
+          </a:r>
+          <a:r>
+            <a:rPr lang="en-US" sz="1800" b="1" kern="1200" dirty="0">
+              <a:solidFill>
+                <a:schemeClr val="bg1"/>
+              </a:solidFill>
+            </a:rPr>
+            <a:t>Julia Academy</a:t>
+          </a:r>
+          <a:endParaRPr lang="en-US" sz="1800" kern="1200" dirty="0">
+            <a:solidFill>
+              <a:schemeClr val="bg1"/>
+            </a:solidFill>
+          </a:endParaRPr>
+        </a:p>
+        <a:p>
+          <a:pPr marL="114300" lvl="1" indent="-114300" algn="l" defTabSz="622300">
+            <a:lnSpc>
+              <a:spcPct val="90000"/>
+            </a:lnSpc>
+            <a:spcBef>
+              <a:spcPct val="0"/>
+            </a:spcBef>
+            <a:spcAft>
+              <a:spcPct val="15000"/>
+            </a:spcAft>
+            <a:buChar char="•"/>
+          </a:pPr>
+          <a:r>
+            <a:rPr lang="en-US" sz="1400" kern="1200" dirty="0">
+              <a:solidFill>
+                <a:schemeClr val="bg1"/>
+              </a:solidFill>
+              <a:hlinkClick xmlns:r="http://schemas.openxmlformats.org/officeDocument/2006/relationships" r:id="rId2">
+                <a:extLst>
+                  <a:ext uri="{A12FA001-AC4F-418D-AE19-62706E023703}">
+                    <ahyp:hlinkClr xmlns:ahyp="http://schemas.microsoft.com/office/drawing/2018/hyperlinkcolor" val="tx"/>
+                  </a:ext>
+                </a:extLst>
+              </a:hlinkClick>
+            </a:rPr>
+            <a:t>https://juliaacademy.com/p/julia-programming-for-nervous-beginners</a:t>
+          </a:r>
+          <a:endParaRPr lang="en-US" sz="1400" kern="1200" dirty="0">
+            <a:solidFill>
+              <a:schemeClr val="bg1"/>
+            </a:solidFill>
+          </a:endParaRPr>
+        </a:p>
+        <a:p>
+          <a:pPr marL="114300" lvl="1" indent="-114300" algn="l" defTabSz="622300">
+            <a:lnSpc>
+              <a:spcPct val="90000"/>
+            </a:lnSpc>
+            <a:spcBef>
+              <a:spcPct val="0"/>
+            </a:spcBef>
+            <a:spcAft>
+              <a:spcPct val="15000"/>
+            </a:spcAft>
+            <a:buChar char="•"/>
+          </a:pPr>
+          <a:r>
+            <a:rPr lang="en-US" sz="1400" kern="1200" dirty="0">
+              <a:solidFill>
+                <a:schemeClr val="bg1"/>
+              </a:solidFill>
+              <a:hlinkClick xmlns:r="http://schemas.openxmlformats.org/officeDocument/2006/relationships" r:id="rId3">
+                <a:extLst>
+                  <a:ext uri="{A12FA001-AC4F-418D-AE19-62706E023703}">
+                    <ahyp:hlinkClr xmlns:ahyp="http://schemas.microsoft.com/office/drawing/2018/hyperlinkcolor" val="tx"/>
+                  </a:ext>
+                </a:extLst>
+              </a:hlinkClick>
+            </a:rPr>
+            <a:t>https://juliaacademy.com/p/intro-to-julia</a:t>
+          </a:r>
+          <a:endParaRPr lang="en-US" sz="1400" kern="1200" dirty="0">
+            <a:solidFill>
+              <a:schemeClr val="bg1"/>
+            </a:solidFill>
+          </a:endParaRPr>
+        </a:p>
+        <a:p>
+          <a:pPr marL="114300" lvl="1" indent="-114300" algn="l" defTabSz="622300">
+            <a:lnSpc>
+              <a:spcPct val="90000"/>
+            </a:lnSpc>
+            <a:spcBef>
+              <a:spcPct val="0"/>
+            </a:spcBef>
+            <a:spcAft>
+              <a:spcPct val="15000"/>
+            </a:spcAft>
+            <a:buChar char="•"/>
+          </a:pPr>
+          <a:r>
+            <a:rPr lang="en-US" sz="1400" kern="1200" dirty="0">
+              <a:solidFill>
+                <a:schemeClr val="bg1"/>
+              </a:solidFill>
+              <a:hlinkClick xmlns:r="http://schemas.openxmlformats.org/officeDocument/2006/relationships" r:id="rId4">
+                <a:extLst>
+                  <a:ext uri="{A12FA001-AC4F-418D-AE19-62706E023703}">
+                    <ahyp:hlinkClr xmlns:ahyp="http://schemas.microsoft.com/office/drawing/2018/hyperlinkcolor" val="tx"/>
+                  </a:ext>
+                </a:extLst>
+              </a:hlinkClick>
+            </a:rPr>
+            <a:t>https://juliaacademy.com/p/julia-for-data-science</a:t>
+          </a:r>
+          <a:endParaRPr lang="en-US" sz="1400" kern="1200" dirty="0">
+            <a:solidFill>
+              <a:schemeClr val="bg1"/>
+            </a:solidFill>
+          </a:endParaRPr>
+        </a:p>
+      </dsp:txBody>
+      <dsp:txXfrm>
+        <a:off x="3281660" y="1432559"/>
+        <a:ext cx="3037879" cy="2148840"/>
+      </dsp:txXfrm>
+    </dsp:sp>
+    <dsp:sp modelId="{0BB388A3-B430-6C4F-B2FC-F7A1B4C4DF1F}">
+      <dsp:nvSpPr>
+        <dsp:cNvPr id="0" name=""/>
+        <dsp:cNvSpPr/>
+      </dsp:nvSpPr>
+      <dsp:spPr>
+        <a:xfrm>
+          <a:off x="3281660" y="0"/>
+          <a:ext cx="3037879" cy="1432560"/>
+        </a:xfrm>
+        <a:prstGeom prst="rect">
+          <a:avLst/>
+        </a:prstGeom>
+        <a:noFill/>
+        <a:ln w="34925" cap="flat" cmpd="sng" algn="in">
+          <a:noFill/>
+          <a:prstDash val="solid"/>
+        </a:ln>
+        <a:effectLst/>
+        <a:sp3d/>
+      </dsp:spPr>
+      <dsp:style>
+        <a:lnRef idx="2">
+          <a:scrgbClr r="0" g="0" b="0"/>
+        </a:lnRef>
+        <a:fillRef idx="1">
+          <a:scrgbClr r="0" g="0" b="0"/>
+        </a:fillRef>
+        <a:effectRef idx="0">
+          <a:scrgbClr r="0" g="0" b="0"/>
+        </a:effectRef>
+        <a:fontRef idx="minor">
+          <a:schemeClr val="lt1"/>
+        </a:fontRef>
+      </dsp:style>
+      <dsp:txBody>
+        <a:bodyPr spcFirstLastPara="0" vert="horz" wrap="square" lIns="300075" tIns="165100" rIns="300075" bIns="165100" numCol="1" spcCol="1270" anchor="ctr" anchorCtr="0">
+          <a:noAutofit/>
+        </a:bodyPr>
+        <a:lstStyle/>
+        <a:p>
+          <a:pPr marL="0" lvl="0" indent="0" algn="l" defTabSz="2933700">
+            <a:lnSpc>
+              <a:spcPct val="90000"/>
+            </a:lnSpc>
+            <a:spcBef>
+              <a:spcPct val="0"/>
+            </a:spcBef>
+            <a:spcAft>
+              <a:spcPct val="35000"/>
+            </a:spcAft>
+            <a:buNone/>
+          </a:pPr>
+          <a:r>
+            <a:rPr lang="en-US" sz="6600" kern="1200"/>
+            <a:t>02</a:t>
+          </a:r>
+        </a:p>
+      </dsp:txBody>
+      <dsp:txXfrm>
+        <a:off x="3281660" y="0"/>
+        <a:ext cx="3037879" cy="1432560"/>
+      </dsp:txXfrm>
+    </dsp:sp>
+    <dsp:sp modelId="{AD9A30AB-D1E5-B34E-8B98-9E38E4253A82}">
+      <dsp:nvSpPr>
+        <dsp:cNvPr id="0" name=""/>
+        <dsp:cNvSpPr/>
+      </dsp:nvSpPr>
+      <dsp:spPr>
+        <a:xfrm>
+          <a:off x="6562570" y="0"/>
+          <a:ext cx="3037879" cy="3581400"/>
         </a:xfrm>
         <a:prstGeom prst="rect">
           <a:avLst/>
@@ -3300,12 +3457,12 @@
         </a:fontRef>
       </dsp:style>
       <dsp:txBody>
-        <a:bodyPr spcFirstLastPara="0" vert="horz" wrap="square" lIns="455669" tIns="0" rIns="455669" bIns="330200" numCol="1" spcCol="1270" anchor="t" anchorCtr="0">
+        <a:bodyPr spcFirstLastPara="0" vert="horz" wrap="square" lIns="300075" tIns="0" rIns="300075" bIns="330200" numCol="1" spcCol="1270" anchor="t" anchorCtr="0">
           <a:noAutofit/>
         </a:bodyPr>
         <a:lstStyle/>
         <a:p>
-          <a:pPr marL="0" lvl="0" indent="0" algn="l" defTabSz="755650">
+          <a:pPr marL="0" lvl="0" indent="0" algn="l" defTabSz="800100">
             <a:lnSpc>
               <a:spcPct val="90000"/>
             </a:lnSpc>
@@ -3318,29 +3475,12 @@
             <a:buNone/>
           </a:pPr>
           <a:r>
-            <a:rPr lang="en-US" sz="1700" kern="1200" dirty="0">
-              <a:solidFill>
-                <a:schemeClr val="bg1"/>
-              </a:solidFill>
-            </a:rPr>
-            <a:t>Programming concepts in Julia -&gt; </a:t>
+            <a:rPr lang="en-US" sz="1800" kern="1200" dirty="0"/>
+            <a:t>Statistical concepts or packages</a:t>
           </a:r>
-          <a:r>
-            <a:rPr lang="en-US" sz="1700" b="1" kern="1200" dirty="0">
-              <a:solidFill>
-                <a:schemeClr val="bg1"/>
-              </a:solidFill>
-            </a:rPr>
-            <a:t>Julia Academy</a:t>
-          </a:r>
-          <a:endParaRPr lang="en-US" sz="1700" kern="1200" dirty="0">
-            <a:solidFill>
-              <a:schemeClr val="bg1"/>
-            </a:solidFill>
-          </a:endParaRPr>
         </a:p>
         <a:p>
-          <a:pPr marL="114300" lvl="1" indent="-114300" algn="l" defTabSz="577850">
+          <a:pPr marL="114300" lvl="1" indent="-114300" algn="l" defTabSz="622300">
             <a:lnSpc>
               <a:spcPct val="90000"/>
             </a:lnSpc>
@@ -3353,109 +3493,41 @@
             <a:buChar char="•"/>
           </a:pPr>
           <a:r>
-            <a:rPr lang="en-US" sz="1300" kern="1200">
-              <a:solidFill>
-                <a:schemeClr val="bg1"/>
-              </a:solidFill>
-              <a:hlinkClick xmlns:r="http://schemas.openxmlformats.org/officeDocument/2006/relationships" r:id="rId2">
-                <a:extLst>
-                  <a:ext uri="{A12FA001-AC4F-418D-AE19-62706E023703}">
-                    <ahyp:hlinkClr xmlns:ahyp="http://schemas.microsoft.com/office/drawing/2018/hyperlinkcolor" val="tx"/>
-                  </a:ext>
-                </a:extLst>
-              </a:hlinkClick>
-            </a:rPr>
-            <a:t>https://juliaacademy.com/p/julia-programming-for-nervous-beginners</a:t>
+            <a:rPr lang="en-US" sz="1400" kern="1200" dirty="0"/>
+            <a:t>https://</a:t>
           </a:r>
-          <a:endParaRPr lang="en-US" sz="1300" kern="1200">
-            <a:solidFill>
-              <a:schemeClr val="bg1"/>
-            </a:solidFill>
-          </a:endParaRPr>
-        </a:p>
-        <a:p>
-          <a:pPr marL="114300" lvl="1" indent="-114300" algn="l" defTabSz="577850">
-            <a:lnSpc>
-              <a:spcPct val="90000"/>
-            </a:lnSpc>
-            <a:spcBef>
-              <a:spcPct val="0"/>
-            </a:spcBef>
-            <a:spcAft>
-              <a:spcPct val="15000"/>
-            </a:spcAft>
-            <a:buChar char="•"/>
-          </a:pPr>
           <a:r>
-            <a:rPr lang="en-US" sz="1300" kern="1200">
-              <a:solidFill>
-                <a:schemeClr val="bg1"/>
-              </a:solidFill>
-              <a:hlinkClick xmlns:r="http://schemas.openxmlformats.org/officeDocument/2006/relationships" r:id="rId3">
-                <a:extLst>
-                  <a:ext uri="{A12FA001-AC4F-418D-AE19-62706E023703}">
-                    <ahyp:hlinkClr xmlns:ahyp="http://schemas.microsoft.com/office/drawing/2018/hyperlinkcolor" val="tx"/>
-                  </a:ext>
-                </a:extLst>
-              </a:hlinkClick>
-            </a:rPr>
-            <a:t>https://juliaacademy.com/p/intro-to-julia</a:t>
+            <a:rPr lang="en-US" sz="1400" kern="1200" dirty="0" err="1"/>
+            <a:t>juliastats.org</a:t>
           </a:r>
-          <a:endParaRPr lang="en-US" sz="1300" kern="1200">
-            <a:solidFill>
-              <a:schemeClr val="bg1"/>
-            </a:solidFill>
-          </a:endParaRPr>
-        </a:p>
-        <a:p>
-          <a:pPr marL="114300" lvl="1" indent="-114300" algn="l" defTabSz="577850">
-            <a:lnSpc>
-              <a:spcPct val="90000"/>
-            </a:lnSpc>
-            <a:spcBef>
-              <a:spcPct val="0"/>
-            </a:spcBef>
-            <a:spcAft>
-              <a:spcPct val="15000"/>
-            </a:spcAft>
-            <a:buChar char="•"/>
-          </a:pPr>
           <a:r>
-            <a:rPr lang="en-US" sz="1300" kern="1200" dirty="0">
-              <a:solidFill>
-                <a:schemeClr val="bg1"/>
-              </a:solidFill>
-              <a:hlinkClick xmlns:r="http://schemas.openxmlformats.org/officeDocument/2006/relationships" r:id="rId4">
-                <a:extLst>
-                  <a:ext uri="{A12FA001-AC4F-418D-AE19-62706E023703}">
-                    <ahyp:hlinkClr xmlns:ahyp="http://schemas.microsoft.com/office/drawing/2018/hyperlinkcolor" val="tx"/>
-                  </a:ext>
-                </a:extLst>
-              </a:hlinkClick>
-            </a:rPr>
-            <a:t>https://juliaacademy.com/p/julia-for-data-science</a:t>
+            <a:rPr lang="en-US" sz="1400" kern="1200" dirty="0"/>
+            <a:t>/</a:t>
           </a:r>
-          <a:endParaRPr lang="en-US" sz="1300" kern="1200" dirty="0">
-            <a:solidFill>
-              <a:schemeClr val="bg1"/>
-            </a:solidFill>
-          </a:endParaRPr>
+          <a:r>
+            <a:rPr lang="en-US" sz="1400" kern="1200" dirty="0" err="1"/>
+            <a:t>MixedModels.jl</a:t>
+          </a:r>
+          <a:r>
+            <a:rPr lang="en-US" sz="1400" kern="1200" dirty="0"/>
+            <a:t>/dev/</a:t>
+          </a:r>
         </a:p>
       </dsp:txBody>
       <dsp:txXfrm>
-        <a:off x="4985123" y="1432559"/>
-        <a:ext cx="4613076" cy="2148840"/>
+        <a:off x="6562570" y="1432559"/>
+        <a:ext cx="3037879" cy="2148840"/>
       </dsp:txXfrm>
     </dsp:sp>
-    <dsp:sp modelId="{0BB388A3-B430-6C4F-B2FC-F7A1B4C4DF1F}">
+    <dsp:sp modelId="{BACC478A-8A22-5448-A998-38434066DE39}">
       <dsp:nvSpPr>
         <dsp:cNvPr id="0" name=""/>
         <dsp:cNvSpPr/>
       </dsp:nvSpPr>
       <dsp:spPr>
         <a:xfrm>
-          <a:off x="4985123" y="0"/>
-          <a:ext cx="4613076" cy="1432560"/>
+          <a:off x="6562570" y="0"/>
+          <a:ext cx="3037879" cy="1432560"/>
         </a:xfrm>
         <a:prstGeom prst="rect">
           <a:avLst/>
@@ -3483,7 +3555,7 @@
         </a:fontRef>
       </dsp:style>
       <dsp:txBody>
-        <a:bodyPr spcFirstLastPara="0" vert="horz" wrap="square" lIns="455669" tIns="165100" rIns="455669" bIns="165100" numCol="1" spcCol="1270" anchor="ctr" anchorCtr="0">
+        <a:bodyPr spcFirstLastPara="0" vert="horz" wrap="square" lIns="300075" tIns="165100" rIns="300075" bIns="165100" numCol="1" spcCol="1270" anchor="ctr" anchorCtr="0">
           <a:noAutofit/>
         </a:bodyPr>
         <a:lstStyle/>
@@ -3502,13 +3574,13 @@
           </a:pPr>
           <a:r>
             <a:rPr lang="en-US" sz="6600" kern="1200"/>
-            <a:t>02</a:t>
+            <a:t>03</a:t>
           </a:r>
         </a:p>
       </dsp:txBody>
       <dsp:txXfrm>
-        <a:off x="4985123" y="0"/>
-        <a:ext cx="4613076" cy="1432560"/>
+        <a:off x="6562570" y="0"/>
+        <a:ext cx="3037879" cy="1432560"/>
       </dsp:txXfrm>
     </dsp:sp>
   </dsp:spTree>
@@ -11103,7 +11175,7 @@
             </a:pPr>
             <a:r>
               <a:rPr lang="en-US" sz="2400" b="1" dirty="0"/>
-              <a:t>Kyla McConnell:</a:t>
+              <a:t>Kyla McConnell</a:t>
             </a:r>
           </a:p>
           <a:p>
@@ -11115,22 +11187,26 @@
           <a:p>
             <a:r>
               <a:rPr lang="en-US" sz="2400" dirty="0"/>
-              <a:t>R-stats enthusiast, recently discovered the joys of Julia</a:t>
-            </a:r>
-          </a:p>
-          <a:p>
-            <a:r>
-              <a:rPr lang="en-US" sz="2400" dirty="0"/>
-              <a:t>Co-organizer of @</a:t>
+              <a:t>R-stats enthusiast, Co-organizer of @</a:t>
             </a:r>
             <a:r>
               <a:rPr lang="en-US" sz="2400" dirty="0" err="1"/>
               <a:t>RLadiesFreiburg</a:t>
             </a:r>
-            <a:br>
+            <a:endParaRPr lang="en-US" sz="2400" dirty="0"/>
+          </a:p>
+          <a:p>
+            <a:r>
               <a:rPr lang="en-US" sz="2400" dirty="0"/>
-            </a:br>
-            <a:endParaRPr lang="en-US" sz="2400" dirty="0"/>
+              <a:t>Recently discovered the joys of Julia</a:t>
+            </a:r>
+          </a:p>
+          <a:p>
+            <a:pPr lvl="1"/>
+            <a:r>
+              <a:rPr lang="en-US" sz="2400" dirty="0"/>
+              <a:t>My use case: academic research, linear mixed effects models</a:t>
+            </a:r>
           </a:p>
           <a:p>
             <a:endParaRPr lang="en-US" sz="2400" dirty="0"/>
@@ -11269,7 +11345,7 @@
             <p:ph idx="1"/>
             <p:extLst>
               <p:ext uri="{D42A27DB-BD31-4B8C-83A1-F6EECF244321}">
-                <p14:modId xmlns:p14="http://schemas.microsoft.com/office/powerpoint/2010/main" val="743395640"/>
+                <p14:modId xmlns:p14="http://schemas.microsoft.com/office/powerpoint/2010/main" val="2761580342"/>
               </p:ext>
             </p:extLst>
           </p:nvPr>
@@ -11373,7 +11449,7 @@
             <p:ph idx="1"/>
             <p:extLst>
               <p:ext uri="{D42A27DB-BD31-4B8C-83A1-F6EECF244321}">
-                <p14:modId xmlns:p14="http://schemas.microsoft.com/office/powerpoint/2010/main" val="2149260283"/>
+                <p14:modId xmlns:p14="http://schemas.microsoft.com/office/powerpoint/2010/main" val="441585338"/>
               </p:ext>
             </p:extLst>
           </p:nvPr>
@@ -11561,7 +11637,7 @@
           <a:p>
             <a:r>
               <a:rPr lang="en-US" dirty="0"/>
-              <a:t>WHY JULIA?</a:t>
+              <a:t>WHAT IS JULIA?</a:t>
             </a:r>
           </a:p>
         </p:txBody>
@@ -11640,7 +11716,7 @@
         <p:spPr>
           <a:xfrm>
             <a:off x="1371600" y="1785938"/>
-            <a:ext cx="9601200" cy="3581400"/>
+            <a:ext cx="4855029" cy="4386262"/>
           </a:xfrm>
         </p:spPr>
         <p:txBody>
@@ -11651,51 +11727,32 @@
           <a:p>
             <a:r>
               <a:rPr lang="en-US" dirty="0"/>
-              <a:t>Gains in:</a:t>
+              <a:t>General-purpose programming language but popular in data science communities</a:t>
             </a:r>
           </a:p>
           <a:p>
             <a:pPr lvl="1"/>
             <a:r>
               <a:rPr lang="en-US" dirty="0"/>
-              <a:t>Speed </a:t>
+              <a:t>Built with data science and machine learning in mind</a:t>
             </a:r>
           </a:p>
           <a:p>
-            <a:pPr lvl="1"/>
             <a:r>
               <a:rPr lang="en-US" dirty="0"/>
-              <a:t>Model complexity</a:t>
+              <a:t>Free &amp; open source (like R and Python)</a:t>
             </a:r>
-          </a:p>
-          <a:p>
-            <a:endParaRPr lang="en-US" dirty="0"/>
           </a:p>
           <a:p>
             <a:r>
               <a:rPr lang="en-US" dirty="0"/>
-              <a:t>Without sacrificing:</a:t>
+              <a:t>Developed to be readable like Python but compiled quickly like C</a:t>
             </a:r>
           </a:p>
           <a:p>
-            <a:pPr lvl="1"/>
             <a:r>
               <a:rPr lang="en-US" dirty="0"/>
-              <a:t>Readability</a:t>
-            </a:r>
-          </a:p>
-          <a:p>
-            <a:pPr lvl="1"/>
-            <a:r>
-              <a:rPr lang="en-US" dirty="0"/>
-              <a:t>Reproducibility</a:t>
-            </a:r>
-          </a:p>
-          <a:p>
-            <a:pPr lvl="1"/>
-            <a:r>
-              <a:rPr lang="en-US" dirty="0"/>
-              <a:t>R packages that you know well</a:t>
+              <a:t>Young: &lt; 10 years old (R is closer to 30 years old)</a:t>
             </a:r>
           </a:p>
         </p:txBody>
@@ -11716,6 +11773,14 @@
 <file path=ppt/slides/slide6.xml><?xml version="1.0" encoding="utf-8"?>
 <p:sld xmlns:a="http://schemas.openxmlformats.org/drawingml/2006/main" xmlns:r="http://schemas.openxmlformats.org/officeDocument/2006/relationships" xmlns:p="http://schemas.openxmlformats.org/presentationml/2006/main">
   <p:cSld>
+    <p:bg>
+      <p:bgPr>
+        <a:solidFill>
+          <a:schemeClr val="bg2"/>
+        </a:solidFill>
+        <a:effectLst/>
+      </p:bgPr>
+    </p:bg>
     <p:spTree>
       <p:nvGrpSpPr>
         <p:cNvPr id="1" name=""/>
@@ -11730,12 +11795,107 @@
           <a:chExt cx="0" cy="0"/>
         </a:xfrm>
       </p:grpSpPr>
+      <p:sp useBgFill="1">
+        <p:nvSpPr>
+          <p:cNvPr id="23" name="Rectangle 19">
+            <a:extLst>
+              <a:ext uri="{FF2B5EF4-FFF2-40B4-BE49-F238E27FC236}">
+                <a16:creationId xmlns:a16="http://schemas.microsoft.com/office/drawing/2014/main" id="{1D868099-6145-4BC0-A5EA-74BEF1776BA9}"/>
+              </a:ext>
+              <a:ext uri="{C183D7F6-B498-43B3-948B-1728B52AA6E4}">
+                <adec:decorative xmlns:adec="http://schemas.microsoft.com/office/drawing/2017/decorative" val="1"/>
+              </a:ext>
+            </a:extLst>
+          </p:cNvPr>
+          <p:cNvSpPr>
+            <a:spLocks noGrp="1" noRot="1" noChangeAspect="1" noMove="1" noResize="1" noEditPoints="1" noAdjustHandles="1" noChangeArrowheads="1" noChangeShapeType="1" noTextEdit="1"/>
+          </p:cNvSpPr>
+          <p:nvPr>
+            <p:extLst>
+              <p:ext uri="{386F3935-93C4-4BCD-93E2-E3B085C9AB24}">
+                <p16:designElem xmlns:p16="http://schemas.microsoft.com/office/powerpoint/2015/main" val="1"/>
+              </p:ext>
+            </p:extLst>
+          </p:nvPr>
+        </p:nvSpPr>
+        <p:spPr>
+          <a:xfrm>
+            <a:off x="0" y="0"/>
+            <a:ext cx="12192000" cy="6858000"/>
+          </a:xfrm>
+          <a:prstGeom prst="rect">
+            <a:avLst/>
+          </a:prstGeom>
+          <a:ln>
+            <a:noFill/>
+          </a:ln>
+        </p:spPr>
+        <p:style>
+          <a:lnRef idx="2">
+            <a:schemeClr val="accent1">
+              <a:shade val="50000"/>
+            </a:schemeClr>
+          </a:lnRef>
+          <a:fillRef idx="1">
+            <a:schemeClr val="accent1"/>
+          </a:fillRef>
+          <a:effectRef idx="0">
+            <a:schemeClr val="accent1"/>
+          </a:effectRef>
+          <a:fontRef idx="minor">
+            <a:schemeClr val="lt1"/>
+          </a:fontRef>
+        </p:style>
+        <p:txBody>
+          <a:bodyPr rtlCol="0" anchor="ctr"/>
+          <a:lstStyle/>
+          <a:p>
+            <a:pPr algn="ctr"/>
+            <a:endParaRPr lang="en-US"/>
+          </a:p>
+        </p:txBody>
+      </p:sp>
+      <p:sp>
+        <p:nvSpPr>
+          <p:cNvPr id="2" name="Title 1">
+            <a:extLst>
+              <a:ext uri="{FF2B5EF4-FFF2-40B4-BE49-F238E27FC236}">
+                <a16:creationId xmlns:a16="http://schemas.microsoft.com/office/drawing/2014/main" id="{14731FCF-6F52-AA4E-9D3C-F9801047B514}"/>
+              </a:ext>
+            </a:extLst>
+          </p:cNvPr>
+          <p:cNvSpPr>
+            <a:spLocks noGrp="1"/>
+          </p:cNvSpPr>
+          <p:nvPr>
+            <p:ph type="title"/>
+          </p:nvPr>
+        </p:nvSpPr>
+        <p:spPr>
+          <a:xfrm>
+            <a:off x="8349219" y="402223"/>
+            <a:ext cx="3053039" cy="1060817"/>
+          </a:xfrm>
+        </p:spPr>
+        <p:txBody>
+          <a:bodyPr anchor="b">
+            <a:normAutofit/>
+          </a:bodyPr>
+          <a:lstStyle/>
+          <a:p>
+            <a:r>
+              <a:rPr lang="en-US" sz="2800" dirty="0"/>
+              <a:t>WHY JULIA?</a:t>
+            </a:r>
+          </a:p>
+        </p:txBody>
+      </p:sp>
       <p:pic>
         <p:nvPicPr>
-          <p:cNvPr id="7" name="Picture 6" descr="Text&#10;&#10;Description automatically generated with medium confidence">
+          <p:cNvPr id="7" name="Graphic 6">
             <a:extLst>
               <a:ext uri="{FF2B5EF4-FFF2-40B4-BE49-F238E27FC236}">
-                <a16:creationId xmlns:a16="http://schemas.microsoft.com/office/drawing/2014/main" id="{E2B66487-819D-6E49-A315-4AB724690F8A}"/>
+                <a16:creationId xmlns:a16="http://schemas.microsoft.com/office/drawing/2014/main" id="{2EDF84EA-2A58-524F-87D6-7E7C3657E751}"/>
               </a:ext>
             </a:extLst>
           </p:cNvPr>
@@ -11746,7 +11906,11 @@
         </p:nvPicPr>
         <p:blipFill>
           <a:blip r:embed="rId2">
-            <a:alphaModFix amt="70000"/>
+            <a:extLst>
+              <a:ext uri="{96DAC541-7B7A-43D3-8B79-37D633B846F1}">
+                <asvg:svgBlip xmlns:asvg="http://schemas.microsoft.com/office/drawing/2016/SVG/main" r:embed="rId3"/>
+              </a:ext>
+            </a:extLst>
           </a:blip>
           <a:stretch>
             <a:fillRect/>
@@ -11754,14 +11918,1392 @@
         </p:blipFill>
         <p:spPr>
           <a:xfrm>
-            <a:off x="5905500" y="4530725"/>
-            <a:ext cx="6286500" cy="2311400"/>
+            <a:off x="92583" y="640081"/>
+            <a:ext cx="8003245" cy="4946450"/>
           </a:xfrm>
           <a:prstGeom prst="rect">
             <a:avLst/>
           </a:prstGeom>
         </p:spPr>
       </p:pic>
+      <p:sp>
+        <p:nvSpPr>
+          <p:cNvPr id="22" name="Freeform 6">
+            <a:extLst>
+              <a:ext uri="{FF2B5EF4-FFF2-40B4-BE49-F238E27FC236}">
+                <a16:creationId xmlns:a16="http://schemas.microsoft.com/office/drawing/2014/main" id="{CC1026F7-DECB-49B4-A565-518BBA445471}"/>
+              </a:ext>
+              <a:ext uri="{C183D7F6-B498-43B3-948B-1728B52AA6E4}">
+                <adec:decorative xmlns:adec="http://schemas.microsoft.com/office/drawing/2017/decorative" val="1"/>
+              </a:ext>
+            </a:extLst>
+          </p:cNvPr>
+          <p:cNvSpPr>
+            <a:spLocks noGrp="1" noRot="1" noChangeAspect="1" noMove="1" noResize="1" noEditPoints="1" noAdjustHandles="1" noChangeArrowheads="1" noChangeShapeType="1" noTextEdit="1"/>
+          </p:cNvSpPr>
+          <p:nvPr>
+            <p:extLst>
+              <p:ext uri="{386F3935-93C4-4BCD-93E2-E3B085C9AB24}">
+                <p16:designElem xmlns:p16="http://schemas.microsoft.com/office/powerpoint/2015/main" val="1"/>
+              </p:ext>
+            </p:extLst>
+          </p:nvPr>
+        </p:nvSpPr>
+        <p:spPr bwMode="auto">
+          <a:xfrm flipH="1" flipV="1">
+            <a:off x="7983434" y="640080"/>
+            <a:ext cx="2296028" cy="3674981"/>
+          </a:xfrm>
+          <a:custGeom>
+            <a:avLst/>
+            <a:gdLst/>
+            <a:ahLst/>
+            <a:cxnLst/>
+            <a:rect l="l" t="t" r="r" b="b"/>
+            <a:pathLst>
+              <a:path w="10002" h="10000">
+                <a:moveTo>
+                  <a:pt x="8763" y="0"/>
+                </a:moveTo>
+                <a:lnTo>
+                  <a:pt x="10002" y="0"/>
+                </a:lnTo>
+                <a:lnTo>
+                  <a:pt x="10002" y="10000"/>
+                </a:lnTo>
+                <a:lnTo>
+                  <a:pt x="2" y="10000"/>
+                </a:lnTo>
+                <a:cubicBezTo>
+                  <a:pt x="-2" y="9698"/>
+                  <a:pt x="4" y="9427"/>
+                  <a:pt x="0" y="9125"/>
+                </a:cubicBezTo>
+                <a:lnTo>
+                  <a:pt x="8763" y="9128"/>
+                </a:lnTo>
+                <a:lnTo>
+                  <a:pt x="8763" y="0"/>
+                </a:lnTo>
+                <a:close/>
+              </a:path>
+            </a:pathLst>
+          </a:custGeom>
+          <a:solidFill>
+            <a:schemeClr val="tx2"/>
+          </a:solidFill>
+          <a:ln w="0">
+            <a:noFill/>
+            <a:prstDash val="solid"/>
+            <a:round/>
+            <a:headEnd/>
+            <a:tailEnd/>
+          </a:ln>
+        </p:spPr>
+      </p:sp>
+      <p:sp>
+        <p:nvSpPr>
+          <p:cNvPr id="9" name="TextBox 8">
+            <a:extLst>
+              <a:ext uri="{FF2B5EF4-FFF2-40B4-BE49-F238E27FC236}">
+                <a16:creationId xmlns:a16="http://schemas.microsoft.com/office/drawing/2014/main" id="{A70E8BC3-6B7B-9844-AB49-F8E60256051F}"/>
+              </a:ext>
+            </a:extLst>
+          </p:cNvPr>
+          <p:cNvSpPr txBox="1"/>
+          <p:nvPr/>
+        </p:nvSpPr>
+        <p:spPr>
+          <a:xfrm>
+            <a:off x="332932" y="5718780"/>
+            <a:ext cx="6642902" cy="1015663"/>
+          </a:xfrm>
+          <a:prstGeom prst="rect">
+            <a:avLst/>
+          </a:prstGeom>
+          <a:noFill/>
+        </p:spPr>
+        <p:txBody>
+          <a:bodyPr wrap="square" rtlCol="0">
+            <a:spAutoFit/>
+          </a:bodyPr>
+          <a:lstStyle/>
+          <a:p>
+            <a:r>
+              <a:rPr lang="en-US" sz="1200" dirty="0"/>
+              <a:t>“These micro-benchmarks, while not comprehensive, do test compiler performance on a range of common code patterns, such as function calls, string parsing, sorting, numerical loops, random number generation, recursion, and array operations.”</a:t>
+            </a:r>
+          </a:p>
+          <a:p>
+            <a:r>
+              <a:rPr lang="en-US" sz="1200" dirty="0"/>
+              <a:t>single core, Julia 1.0.0</a:t>
+            </a:r>
+          </a:p>
+          <a:p>
+            <a:r>
+              <a:rPr lang="en-US" sz="1200" dirty="0"/>
+              <a:t>https://</a:t>
+            </a:r>
+            <a:r>
+              <a:rPr lang="en-US" sz="1200" dirty="0" err="1"/>
+              <a:t>julialang.org</a:t>
+            </a:r>
+            <a:r>
+              <a:rPr lang="en-US" sz="1200" dirty="0"/>
+              <a:t>/benchmarks/</a:t>
+            </a:r>
+          </a:p>
+        </p:txBody>
+      </p:sp>
+      <p:sp>
+        <p:nvSpPr>
+          <p:cNvPr id="17" name="Content Placeholder 7">
+            <a:extLst>
+              <a:ext uri="{FF2B5EF4-FFF2-40B4-BE49-F238E27FC236}">
+                <a16:creationId xmlns:a16="http://schemas.microsoft.com/office/drawing/2014/main" id="{C1730066-1CAB-2740-94FE-467ED6411820}"/>
+              </a:ext>
+            </a:extLst>
+          </p:cNvPr>
+          <p:cNvSpPr txBox="1">
+            <a:spLocks/>
+          </p:cNvSpPr>
+          <p:nvPr/>
+        </p:nvSpPr>
+        <p:spPr>
+          <a:xfrm>
+            <a:off x="8349220" y="1463039"/>
+            <a:ext cx="3662134" cy="5277125"/>
+          </a:xfrm>
+          <a:prstGeom prst="rect">
+            <a:avLst/>
+          </a:prstGeom>
+        </p:spPr>
+        <p:txBody>
+          <a:bodyPr vert="horz" lIns="91440" tIns="45720" rIns="91440" bIns="45720" rtlCol="0">
+            <a:normAutofit/>
+          </a:bodyPr>
+          <a:lstStyle>
+            <a:lvl1pPr marL="384048" indent="-384048" algn="l" defTabSz="914400" rtl="0" eaLnBrk="1" latinLnBrk="0" hangingPunct="1">
+              <a:lnSpc>
+                <a:spcPct val="94000"/>
+              </a:lnSpc>
+              <a:spcBef>
+                <a:spcPts val="1000"/>
+              </a:spcBef>
+              <a:spcAft>
+                <a:spcPts val="200"/>
+              </a:spcAft>
+              <a:buFont typeface="Franklin Gothic Book" panose="020B0503020102020204" pitchFamily="34" charset="0"/>
+              <a:buChar char="■"/>
+              <a:defRPr sz="2000" kern="1200" baseline="0">
+                <a:solidFill>
+                  <a:schemeClr val="tx2"/>
+                </a:solidFill>
+                <a:latin typeface="+mn-lt"/>
+                <a:ea typeface="+mn-ea"/>
+                <a:cs typeface="+mn-cs"/>
+              </a:defRPr>
+            </a:lvl1pPr>
+            <a:lvl2pPr marL="914400" indent="-384048" algn="l" defTabSz="914400" rtl="0" eaLnBrk="1" latinLnBrk="0" hangingPunct="1">
+              <a:lnSpc>
+                <a:spcPct val="94000"/>
+              </a:lnSpc>
+              <a:spcBef>
+                <a:spcPts val="500"/>
+              </a:spcBef>
+              <a:spcAft>
+                <a:spcPts val="200"/>
+              </a:spcAft>
+              <a:buFont typeface="Franklin Gothic Book" panose="020B0503020102020204" pitchFamily="34" charset="0"/>
+              <a:buChar char="–"/>
+              <a:defRPr sz="2000" i="1" kern="1200" baseline="0">
+                <a:solidFill>
+                  <a:schemeClr val="tx2"/>
+                </a:solidFill>
+                <a:latin typeface="+mn-lt"/>
+                <a:ea typeface="+mn-ea"/>
+                <a:cs typeface="+mn-cs"/>
+              </a:defRPr>
+            </a:lvl2pPr>
+            <a:lvl3pPr marL="1371600" indent="-384048" algn="l" defTabSz="914400" rtl="0" eaLnBrk="1" latinLnBrk="0" hangingPunct="1">
+              <a:lnSpc>
+                <a:spcPct val="94000"/>
+              </a:lnSpc>
+              <a:spcBef>
+                <a:spcPts val="500"/>
+              </a:spcBef>
+              <a:spcAft>
+                <a:spcPts val="200"/>
+              </a:spcAft>
+              <a:buFont typeface="Franklin Gothic Book" panose="020B0503020102020204" pitchFamily="34" charset="0"/>
+              <a:buChar char="■"/>
+              <a:defRPr sz="1800" kern="1200" baseline="0">
+                <a:solidFill>
+                  <a:schemeClr val="tx2"/>
+                </a:solidFill>
+                <a:latin typeface="+mn-lt"/>
+                <a:ea typeface="+mn-ea"/>
+                <a:cs typeface="+mn-cs"/>
+              </a:defRPr>
+            </a:lvl3pPr>
+            <a:lvl4pPr marL="1828800" indent="-384048" algn="l" defTabSz="914400" rtl="0" eaLnBrk="1" latinLnBrk="0" hangingPunct="1">
+              <a:lnSpc>
+                <a:spcPct val="94000"/>
+              </a:lnSpc>
+              <a:spcBef>
+                <a:spcPts val="500"/>
+              </a:spcBef>
+              <a:spcAft>
+                <a:spcPts val="200"/>
+              </a:spcAft>
+              <a:buFont typeface="Franklin Gothic Book" panose="020B0503020102020204" pitchFamily="34" charset="0"/>
+              <a:buChar char="–"/>
+              <a:defRPr sz="1800" i="1" kern="1200" baseline="0">
+                <a:solidFill>
+                  <a:schemeClr val="tx2"/>
+                </a:solidFill>
+                <a:latin typeface="+mn-lt"/>
+                <a:ea typeface="+mn-ea"/>
+                <a:cs typeface="+mn-cs"/>
+              </a:defRPr>
+            </a:lvl4pPr>
+            <a:lvl5pPr marL="2286000" indent="-384048" algn="l" defTabSz="914400" rtl="0" eaLnBrk="1" latinLnBrk="0" hangingPunct="1">
+              <a:lnSpc>
+                <a:spcPct val="94000"/>
+              </a:lnSpc>
+              <a:spcBef>
+                <a:spcPts val="500"/>
+              </a:spcBef>
+              <a:spcAft>
+                <a:spcPts val="200"/>
+              </a:spcAft>
+              <a:buFont typeface="Franklin Gothic Book" panose="020B0503020102020204" pitchFamily="34" charset="0"/>
+              <a:buChar char="■"/>
+              <a:defRPr sz="1600" kern="1200" baseline="0">
+                <a:solidFill>
+                  <a:schemeClr val="tx2"/>
+                </a:solidFill>
+                <a:latin typeface="+mn-lt"/>
+                <a:ea typeface="+mn-ea"/>
+                <a:cs typeface="+mn-cs"/>
+              </a:defRPr>
+            </a:lvl5pPr>
+            <a:lvl6pPr marL="2743200" indent="-384048" algn="l" defTabSz="914400" rtl="0" eaLnBrk="1" latinLnBrk="0" hangingPunct="1">
+              <a:lnSpc>
+                <a:spcPct val="94000"/>
+              </a:lnSpc>
+              <a:spcBef>
+                <a:spcPts val="500"/>
+              </a:spcBef>
+              <a:spcAft>
+                <a:spcPts val="200"/>
+              </a:spcAft>
+              <a:buFont typeface="Franklin Gothic Book" panose="020B0503020102020204" pitchFamily="34" charset="0"/>
+              <a:buChar char="–"/>
+              <a:defRPr sz="1600" i="1" kern="1200" baseline="0">
+                <a:solidFill>
+                  <a:schemeClr val="tx2"/>
+                </a:solidFill>
+                <a:latin typeface="+mn-lt"/>
+                <a:ea typeface="+mn-ea"/>
+                <a:cs typeface="+mn-cs"/>
+              </a:defRPr>
+            </a:lvl6pPr>
+            <a:lvl7pPr marL="3200400" indent="-384048" algn="l" defTabSz="914400" rtl="0" eaLnBrk="1" latinLnBrk="0" hangingPunct="1">
+              <a:lnSpc>
+                <a:spcPct val="94000"/>
+              </a:lnSpc>
+              <a:spcBef>
+                <a:spcPts val="500"/>
+              </a:spcBef>
+              <a:spcAft>
+                <a:spcPts val="200"/>
+              </a:spcAft>
+              <a:buFont typeface="Franklin Gothic Book" panose="020B0503020102020204" pitchFamily="34" charset="0"/>
+              <a:buChar char="■"/>
+              <a:defRPr sz="1400" kern="1200" baseline="0">
+                <a:solidFill>
+                  <a:schemeClr val="tx2"/>
+                </a:solidFill>
+                <a:latin typeface="+mn-lt"/>
+                <a:ea typeface="+mn-ea"/>
+                <a:cs typeface="+mn-cs"/>
+              </a:defRPr>
+            </a:lvl7pPr>
+            <a:lvl8pPr marL="3657600" indent="-384048" algn="l" defTabSz="914400" rtl="0" eaLnBrk="1" latinLnBrk="0" hangingPunct="1">
+              <a:lnSpc>
+                <a:spcPct val="94000"/>
+              </a:lnSpc>
+              <a:spcBef>
+                <a:spcPts val="500"/>
+              </a:spcBef>
+              <a:spcAft>
+                <a:spcPts val="200"/>
+              </a:spcAft>
+              <a:buFont typeface="Franklin Gothic Book" panose="020B0503020102020204" pitchFamily="34" charset="0"/>
+              <a:buChar char="–"/>
+              <a:defRPr sz="1400" i="1" kern="1200" baseline="0">
+                <a:solidFill>
+                  <a:schemeClr val="tx2"/>
+                </a:solidFill>
+                <a:latin typeface="+mn-lt"/>
+                <a:ea typeface="+mn-ea"/>
+                <a:cs typeface="+mn-cs"/>
+              </a:defRPr>
+            </a:lvl8pPr>
+            <a:lvl9pPr marL="4114800" indent="-384048" algn="l" defTabSz="914400" rtl="0" eaLnBrk="1" latinLnBrk="0" hangingPunct="1">
+              <a:lnSpc>
+                <a:spcPct val="94000"/>
+              </a:lnSpc>
+              <a:spcBef>
+                <a:spcPts val="500"/>
+              </a:spcBef>
+              <a:spcAft>
+                <a:spcPts val="200"/>
+              </a:spcAft>
+              <a:buFont typeface="Franklin Gothic Book" panose="020B0503020102020204" pitchFamily="34" charset="0"/>
+              <a:buChar char="■"/>
+              <a:defRPr sz="1400" kern="1200" baseline="0">
+                <a:solidFill>
+                  <a:schemeClr val="tx2"/>
+                </a:solidFill>
+                <a:latin typeface="+mn-lt"/>
+                <a:ea typeface="+mn-ea"/>
+                <a:cs typeface="+mn-cs"/>
+              </a:defRPr>
+            </a:lvl9pPr>
+          </a:lstStyle>
+          <a:p>
+            <a:pPr>
+              <a:lnSpc>
+                <a:spcPct val="100000"/>
+              </a:lnSpc>
+            </a:pPr>
+            <a:r>
+              <a:rPr lang="en-US" sz="1600" dirty="0"/>
+              <a:t>Gains in:</a:t>
+            </a:r>
+          </a:p>
+          <a:p>
+            <a:pPr lvl="1">
+              <a:lnSpc>
+                <a:spcPct val="100000"/>
+              </a:lnSpc>
+            </a:pPr>
+            <a:r>
+              <a:rPr lang="en-US" sz="1600" dirty="0"/>
+              <a:t>Speed (but just-in-time compiler, i.e. package loading)</a:t>
+            </a:r>
+            <a:r>
+              <a:rPr lang="en-US" sz="1600" baseline="30000" dirty="0"/>
+              <a:t>1</a:t>
+            </a:r>
+            <a:endParaRPr lang="en-US" sz="1600" dirty="0"/>
+          </a:p>
+          <a:p>
+            <a:pPr lvl="1">
+              <a:lnSpc>
+                <a:spcPct val="100000"/>
+              </a:lnSpc>
+            </a:pPr>
+            <a:r>
+              <a:rPr lang="en-US" sz="1600" dirty="0"/>
+              <a:t>Model complexity</a:t>
+            </a:r>
+          </a:p>
+          <a:p>
+            <a:pPr>
+              <a:lnSpc>
+                <a:spcPct val="100000"/>
+              </a:lnSpc>
+            </a:pPr>
+            <a:r>
+              <a:rPr lang="en-US" sz="1600" dirty="0"/>
+              <a:t>Without sacrificing:</a:t>
+            </a:r>
+          </a:p>
+          <a:p>
+            <a:pPr lvl="1">
+              <a:lnSpc>
+                <a:spcPct val="100000"/>
+              </a:lnSpc>
+            </a:pPr>
+            <a:r>
+              <a:rPr lang="en-US" sz="1600" dirty="0"/>
+              <a:t>Readability</a:t>
+            </a:r>
+          </a:p>
+          <a:p>
+            <a:pPr lvl="1">
+              <a:lnSpc>
+                <a:spcPct val="100000"/>
+              </a:lnSpc>
+            </a:pPr>
+            <a:r>
+              <a:rPr lang="en-US" sz="1600" dirty="0"/>
+              <a:t>Reproducibility</a:t>
+            </a:r>
+          </a:p>
+          <a:p>
+            <a:pPr lvl="1">
+              <a:lnSpc>
+                <a:spcPct val="100000"/>
+              </a:lnSpc>
+            </a:pPr>
+            <a:r>
+              <a:rPr lang="en-US" sz="1600" dirty="0"/>
+              <a:t>R packages that you know well</a:t>
+            </a:r>
+          </a:p>
+          <a:p>
+            <a:pPr lvl="1">
+              <a:lnSpc>
+                <a:spcPct val="100000"/>
+              </a:lnSpc>
+            </a:pPr>
+            <a:r>
+              <a:rPr lang="en-US" sz="1600" dirty="0"/>
+              <a:t>Tutorials and resources from the R community</a:t>
+            </a:r>
+          </a:p>
+          <a:p>
+            <a:pPr lvl="1">
+              <a:lnSpc>
+                <a:spcPct val="100000"/>
+              </a:lnSpc>
+            </a:pPr>
+            <a:r>
+              <a:rPr lang="en-US" sz="1600" dirty="0"/>
+              <a:t>Ability to share code with colleagues who don’t use Julia</a:t>
+            </a:r>
+          </a:p>
+          <a:p>
+            <a:pPr marL="0" indent="0">
+              <a:lnSpc>
+                <a:spcPct val="100000"/>
+              </a:lnSpc>
+              <a:buNone/>
+            </a:pPr>
+            <a:endParaRPr lang="en-US" sz="1200" dirty="0"/>
+          </a:p>
+          <a:p>
+            <a:pPr marL="0" indent="0">
+              <a:lnSpc>
+                <a:spcPct val="100000"/>
+              </a:lnSpc>
+              <a:buNone/>
+            </a:pPr>
+            <a:r>
+              <a:rPr lang="en-US" sz="1200" dirty="0"/>
+              <a:t>1 : https://</a:t>
+            </a:r>
+            <a:r>
+              <a:rPr lang="en-US" sz="1200" dirty="0" err="1"/>
+              <a:t>www.youtube.com</a:t>
+            </a:r>
+            <a:r>
+              <a:rPr lang="en-US" sz="1200" dirty="0"/>
+              <a:t>/</a:t>
+            </a:r>
+            <a:r>
+              <a:rPr lang="en-US" sz="1200" dirty="0" err="1"/>
+              <a:t>watch?v</a:t>
+            </a:r>
+            <a:r>
+              <a:rPr lang="en-US" sz="1200" dirty="0"/>
+              <a:t>=FJeSa0Fr5VY</a:t>
+            </a:r>
+          </a:p>
+        </p:txBody>
+      </p:sp>
+    </p:spTree>
+    <p:extLst>
+      <p:ext uri="{BB962C8B-B14F-4D97-AF65-F5344CB8AC3E}">
+        <p14:creationId xmlns:p14="http://schemas.microsoft.com/office/powerpoint/2010/main" val="1018773181"/>
+      </p:ext>
+    </p:extLst>
+  </p:cSld>
+  <p:clrMapOvr>
+    <a:masterClrMapping/>
+  </p:clrMapOvr>
+</p:sld>
+</file>
+
+<file path=ppt/slides/slide7.xml><?xml version="1.0" encoding="utf-8"?>
+<p:sld xmlns:a="http://schemas.openxmlformats.org/drawingml/2006/main" xmlns:r="http://schemas.openxmlformats.org/officeDocument/2006/relationships" xmlns:p="http://schemas.openxmlformats.org/presentationml/2006/main">
+  <p:cSld>
+    <p:bg>
+      <p:bgPr>
+        <a:solidFill>
+          <a:schemeClr val="bg2"/>
+        </a:solidFill>
+        <a:effectLst/>
+      </p:bgPr>
+    </p:bg>
+    <p:spTree>
+      <p:nvGrpSpPr>
+        <p:cNvPr id="1" name=""/>
+        <p:cNvGrpSpPr/>
+        <p:nvPr/>
+      </p:nvGrpSpPr>
+      <p:grpSpPr>
+        <a:xfrm>
+          <a:off x="0" y="0"/>
+          <a:ext cx="0" cy="0"/>
+          <a:chOff x="0" y="0"/>
+          <a:chExt cx="0" cy="0"/>
+        </a:xfrm>
+      </p:grpSpPr>
+      <p:sp useBgFill="1">
+        <p:nvSpPr>
+          <p:cNvPr id="23" name="Rectangle 19">
+            <a:extLst>
+              <a:ext uri="{FF2B5EF4-FFF2-40B4-BE49-F238E27FC236}">
+                <a16:creationId xmlns:a16="http://schemas.microsoft.com/office/drawing/2014/main" id="{1D868099-6145-4BC0-A5EA-74BEF1776BA9}"/>
+              </a:ext>
+              <a:ext uri="{C183D7F6-B498-43B3-948B-1728B52AA6E4}">
+                <adec:decorative xmlns:adec="http://schemas.microsoft.com/office/drawing/2017/decorative" val="1"/>
+              </a:ext>
+            </a:extLst>
+          </p:cNvPr>
+          <p:cNvSpPr>
+            <a:spLocks noGrp="1" noRot="1" noChangeAspect="1" noMove="1" noResize="1" noEditPoints="1" noAdjustHandles="1" noChangeArrowheads="1" noChangeShapeType="1" noTextEdit="1"/>
+          </p:cNvSpPr>
+          <p:nvPr>
+            <p:extLst>
+              <p:ext uri="{386F3935-93C4-4BCD-93E2-E3B085C9AB24}">
+                <p16:designElem xmlns:p16="http://schemas.microsoft.com/office/powerpoint/2015/main" val="1"/>
+              </p:ext>
+            </p:extLst>
+          </p:nvPr>
+        </p:nvSpPr>
+        <p:spPr>
+          <a:xfrm>
+            <a:off x="0" y="0"/>
+            <a:ext cx="12192000" cy="6858000"/>
+          </a:xfrm>
+          <a:prstGeom prst="rect">
+            <a:avLst/>
+          </a:prstGeom>
+          <a:ln>
+            <a:noFill/>
+          </a:ln>
+        </p:spPr>
+        <p:style>
+          <a:lnRef idx="2">
+            <a:schemeClr val="accent1">
+              <a:shade val="50000"/>
+            </a:schemeClr>
+          </a:lnRef>
+          <a:fillRef idx="1">
+            <a:schemeClr val="accent1"/>
+          </a:fillRef>
+          <a:effectRef idx="0">
+            <a:schemeClr val="accent1"/>
+          </a:effectRef>
+          <a:fontRef idx="minor">
+            <a:schemeClr val="lt1"/>
+          </a:fontRef>
+        </p:style>
+        <p:txBody>
+          <a:bodyPr rtlCol="0" anchor="ctr"/>
+          <a:lstStyle/>
+          <a:p>
+            <a:pPr marL="0" marR="0" lvl="0" indent="0" algn="ctr" defTabSz="457200" rtl="0" eaLnBrk="1" fontAlgn="auto" latinLnBrk="0" hangingPunct="1">
+              <a:lnSpc>
+                <a:spcPct val="100000"/>
+              </a:lnSpc>
+              <a:spcBef>
+                <a:spcPts val="0"/>
+              </a:spcBef>
+              <a:spcAft>
+                <a:spcPts val="0"/>
+              </a:spcAft>
+              <a:buClrTx/>
+              <a:buSzTx/>
+              <a:buFontTx/>
+              <a:buNone/>
+              <a:tabLst/>
+              <a:defRPr/>
+            </a:pPr>
+            <a:endParaRPr kumimoji="0" lang="en-US" sz="1800" b="0" i="0" u="none" strike="noStrike" kern="1200" cap="none" spc="0" normalizeH="0" baseline="0" noProof="0">
+              <a:ln>
+                <a:noFill/>
+              </a:ln>
+              <a:solidFill>
+                <a:srgbClr val="FFFFFF"/>
+              </a:solidFill>
+              <a:effectLst/>
+              <a:uLnTx/>
+              <a:uFillTx/>
+              <a:latin typeface="Franklin Gothic Book" panose="020B0503020102020204"/>
+              <a:ea typeface="+mn-ea"/>
+              <a:cs typeface="+mn-cs"/>
+            </a:endParaRPr>
+          </a:p>
+        </p:txBody>
+      </p:sp>
+      <p:sp>
+        <p:nvSpPr>
+          <p:cNvPr id="2" name="Title 1">
+            <a:extLst>
+              <a:ext uri="{FF2B5EF4-FFF2-40B4-BE49-F238E27FC236}">
+                <a16:creationId xmlns:a16="http://schemas.microsoft.com/office/drawing/2014/main" id="{14731FCF-6F52-AA4E-9D3C-F9801047B514}"/>
+              </a:ext>
+            </a:extLst>
+          </p:cNvPr>
+          <p:cNvSpPr>
+            <a:spLocks noGrp="1"/>
+          </p:cNvSpPr>
+          <p:nvPr>
+            <p:ph type="title"/>
+          </p:nvPr>
+        </p:nvSpPr>
+        <p:spPr>
+          <a:xfrm>
+            <a:off x="8349219" y="402223"/>
+            <a:ext cx="3053039" cy="1060817"/>
+          </a:xfrm>
+        </p:spPr>
+        <p:txBody>
+          <a:bodyPr anchor="b">
+            <a:normAutofit/>
+          </a:bodyPr>
+          <a:lstStyle/>
+          <a:p>
+            <a:r>
+              <a:rPr lang="en-US" sz="2800" dirty="0"/>
+              <a:t>WHY JULIA?</a:t>
+            </a:r>
+          </a:p>
+        </p:txBody>
+      </p:sp>
+      <p:pic>
+        <p:nvPicPr>
+          <p:cNvPr id="7" name="Graphic 6">
+            <a:extLst>
+              <a:ext uri="{FF2B5EF4-FFF2-40B4-BE49-F238E27FC236}">
+                <a16:creationId xmlns:a16="http://schemas.microsoft.com/office/drawing/2014/main" id="{2EDF84EA-2A58-524F-87D6-7E7C3657E751}"/>
+              </a:ext>
+            </a:extLst>
+          </p:cNvPr>
+          <p:cNvPicPr>
+            <a:picLocks noChangeAspect="1"/>
+          </p:cNvPicPr>
+          <p:nvPr/>
+        </p:nvPicPr>
+        <p:blipFill>
+          <a:blip r:embed="rId2">
+            <a:extLst>
+              <a:ext uri="{96DAC541-7B7A-43D3-8B79-37D633B846F1}">
+                <asvg:svgBlip xmlns:asvg="http://schemas.microsoft.com/office/drawing/2016/SVG/main" r:embed="rId3"/>
+              </a:ext>
+            </a:extLst>
+          </a:blip>
+          <a:stretch>
+            <a:fillRect/>
+          </a:stretch>
+        </p:blipFill>
+        <p:spPr>
+          <a:xfrm>
+            <a:off x="92583" y="640081"/>
+            <a:ext cx="8003245" cy="4946450"/>
+          </a:xfrm>
+          <a:prstGeom prst="rect">
+            <a:avLst/>
+          </a:prstGeom>
+        </p:spPr>
+      </p:pic>
+      <p:sp>
+        <p:nvSpPr>
+          <p:cNvPr id="22" name="Freeform 6">
+            <a:extLst>
+              <a:ext uri="{FF2B5EF4-FFF2-40B4-BE49-F238E27FC236}">
+                <a16:creationId xmlns:a16="http://schemas.microsoft.com/office/drawing/2014/main" id="{CC1026F7-DECB-49B4-A565-518BBA445471}"/>
+              </a:ext>
+              <a:ext uri="{C183D7F6-B498-43B3-948B-1728B52AA6E4}">
+                <adec:decorative xmlns:adec="http://schemas.microsoft.com/office/drawing/2017/decorative" val="1"/>
+              </a:ext>
+            </a:extLst>
+          </p:cNvPr>
+          <p:cNvSpPr>
+            <a:spLocks noGrp="1" noRot="1" noChangeAspect="1" noMove="1" noResize="1" noEditPoints="1" noAdjustHandles="1" noChangeArrowheads="1" noChangeShapeType="1" noTextEdit="1"/>
+          </p:cNvSpPr>
+          <p:nvPr>
+            <p:extLst>
+              <p:ext uri="{386F3935-93C4-4BCD-93E2-E3B085C9AB24}">
+                <p16:designElem xmlns:p16="http://schemas.microsoft.com/office/powerpoint/2015/main" val="1"/>
+              </p:ext>
+            </p:extLst>
+          </p:nvPr>
+        </p:nvSpPr>
+        <p:spPr bwMode="auto">
+          <a:xfrm flipH="1" flipV="1">
+            <a:off x="7983434" y="640080"/>
+            <a:ext cx="2296028" cy="3674981"/>
+          </a:xfrm>
+          <a:custGeom>
+            <a:avLst/>
+            <a:gdLst/>
+            <a:ahLst/>
+            <a:cxnLst/>
+            <a:rect l="l" t="t" r="r" b="b"/>
+            <a:pathLst>
+              <a:path w="10002" h="10000">
+                <a:moveTo>
+                  <a:pt x="8763" y="0"/>
+                </a:moveTo>
+                <a:lnTo>
+                  <a:pt x="10002" y="0"/>
+                </a:lnTo>
+                <a:lnTo>
+                  <a:pt x="10002" y="10000"/>
+                </a:lnTo>
+                <a:lnTo>
+                  <a:pt x="2" y="10000"/>
+                </a:lnTo>
+                <a:cubicBezTo>
+                  <a:pt x="-2" y="9698"/>
+                  <a:pt x="4" y="9427"/>
+                  <a:pt x="0" y="9125"/>
+                </a:cubicBezTo>
+                <a:lnTo>
+                  <a:pt x="8763" y="9128"/>
+                </a:lnTo>
+                <a:lnTo>
+                  <a:pt x="8763" y="0"/>
+                </a:lnTo>
+                <a:close/>
+              </a:path>
+            </a:pathLst>
+          </a:custGeom>
+          <a:solidFill>
+            <a:schemeClr val="tx2"/>
+          </a:solidFill>
+          <a:ln w="0">
+            <a:noFill/>
+            <a:prstDash val="solid"/>
+            <a:round/>
+            <a:headEnd/>
+            <a:tailEnd/>
+          </a:ln>
+        </p:spPr>
+      </p:sp>
+      <p:sp>
+        <p:nvSpPr>
+          <p:cNvPr id="11" name="Oval 10">
+            <a:extLst>
+              <a:ext uri="{FF2B5EF4-FFF2-40B4-BE49-F238E27FC236}">
+                <a16:creationId xmlns:a16="http://schemas.microsoft.com/office/drawing/2014/main" id="{78CEBB2D-9DD4-8747-992B-D6C090BBA5F9}"/>
+              </a:ext>
+            </a:extLst>
+          </p:cNvPr>
+          <p:cNvSpPr/>
+          <p:nvPr/>
+        </p:nvSpPr>
+        <p:spPr>
+          <a:xfrm>
+            <a:off x="999243" y="4062953"/>
+            <a:ext cx="452486" cy="1523578"/>
+          </a:xfrm>
+          <a:prstGeom prst="ellipse">
+            <a:avLst/>
+          </a:prstGeom>
+          <a:noFill/>
+          <a:ln>
+            <a:solidFill>
+              <a:schemeClr val="accent4"/>
+            </a:solidFill>
+          </a:ln>
+        </p:spPr>
+        <p:style>
+          <a:lnRef idx="2">
+            <a:schemeClr val="accent6"/>
+          </a:lnRef>
+          <a:fillRef idx="1">
+            <a:schemeClr val="lt1"/>
+          </a:fillRef>
+          <a:effectRef idx="0">
+            <a:schemeClr val="accent6"/>
+          </a:effectRef>
+          <a:fontRef idx="minor">
+            <a:schemeClr val="dk1"/>
+          </a:fontRef>
+        </p:style>
+        <p:txBody>
+          <a:bodyPr rtlCol="0" anchor="ctr"/>
+          <a:lstStyle/>
+          <a:p>
+            <a:pPr algn="ctr"/>
+            <a:endParaRPr lang="en-US"/>
+          </a:p>
+        </p:txBody>
+      </p:sp>
+      <p:sp>
+        <p:nvSpPr>
+          <p:cNvPr id="15" name="Oval 14">
+            <a:extLst>
+              <a:ext uri="{FF2B5EF4-FFF2-40B4-BE49-F238E27FC236}">
+                <a16:creationId xmlns:a16="http://schemas.microsoft.com/office/drawing/2014/main" id="{97D64949-2842-874E-B6CA-29951C14AFBB}"/>
+              </a:ext>
+            </a:extLst>
+          </p:cNvPr>
+          <p:cNvSpPr/>
+          <p:nvPr/>
+        </p:nvSpPr>
+        <p:spPr>
+          <a:xfrm>
+            <a:off x="5799057" y="2179163"/>
+            <a:ext cx="452486" cy="3407368"/>
+          </a:xfrm>
+          <a:prstGeom prst="ellipse">
+            <a:avLst/>
+          </a:prstGeom>
+          <a:noFill/>
+          <a:ln>
+            <a:solidFill>
+              <a:schemeClr val="accent4"/>
+            </a:solidFill>
+          </a:ln>
+        </p:spPr>
+        <p:style>
+          <a:lnRef idx="2">
+            <a:schemeClr val="accent6"/>
+          </a:lnRef>
+          <a:fillRef idx="1">
+            <a:schemeClr val="lt1"/>
+          </a:fillRef>
+          <a:effectRef idx="0">
+            <a:schemeClr val="accent6"/>
+          </a:effectRef>
+          <a:fontRef idx="minor">
+            <a:schemeClr val="dk1"/>
+          </a:fontRef>
+        </p:style>
+        <p:txBody>
+          <a:bodyPr rtlCol="0" anchor="ctr"/>
+          <a:lstStyle/>
+          <a:p>
+            <a:pPr algn="ctr"/>
+            <a:endParaRPr lang="en-US"/>
+          </a:p>
+        </p:txBody>
+      </p:sp>
+      <p:sp>
+        <p:nvSpPr>
+          <p:cNvPr id="18" name="Content Placeholder 7">
+            <a:extLst>
+              <a:ext uri="{FF2B5EF4-FFF2-40B4-BE49-F238E27FC236}">
+                <a16:creationId xmlns:a16="http://schemas.microsoft.com/office/drawing/2014/main" id="{AD7FAF72-A89A-E640-9A4B-CA0D622DF47B}"/>
+              </a:ext>
+            </a:extLst>
+          </p:cNvPr>
+          <p:cNvSpPr txBox="1">
+            <a:spLocks/>
+          </p:cNvSpPr>
+          <p:nvPr/>
+        </p:nvSpPr>
+        <p:spPr>
+          <a:xfrm>
+            <a:off x="8349220" y="1463039"/>
+            <a:ext cx="3662134" cy="5277125"/>
+          </a:xfrm>
+          <a:prstGeom prst="rect">
+            <a:avLst/>
+          </a:prstGeom>
+        </p:spPr>
+        <p:txBody>
+          <a:bodyPr vert="horz" lIns="91440" tIns="45720" rIns="91440" bIns="45720" rtlCol="0">
+            <a:normAutofit/>
+          </a:bodyPr>
+          <a:lstStyle>
+            <a:lvl1pPr marL="384048" indent="-384048" algn="l" defTabSz="914400" rtl="0" eaLnBrk="1" latinLnBrk="0" hangingPunct="1">
+              <a:lnSpc>
+                <a:spcPct val="94000"/>
+              </a:lnSpc>
+              <a:spcBef>
+                <a:spcPts val="1000"/>
+              </a:spcBef>
+              <a:spcAft>
+                <a:spcPts val="200"/>
+              </a:spcAft>
+              <a:buFont typeface="Franklin Gothic Book" panose="020B0503020102020204" pitchFamily="34" charset="0"/>
+              <a:buChar char="■"/>
+              <a:defRPr sz="2000" kern="1200" baseline="0">
+                <a:solidFill>
+                  <a:schemeClr val="tx2"/>
+                </a:solidFill>
+                <a:latin typeface="+mn-lt"/>
+                <a:ea typeface="+mn-ea"/>
+                <a:cs typeface="+mn-cs"/>
+              </a:defRPr>
+            </a:lvl1pPr>
+            <a:lvl2pPr marL="914400" indent="-384048" algn="l" defTabSz="914400" rtl="0" eaLnBrk="1" latinLnBrk="0" hangingPunct="1">
+              <a:lnSpc>
+                <a:spcPct val="94000"/>
+              </a:lnSpc>
+              <a:spcBef>
+                <a:spcPts val="500"/>
+              </a:spcBef>
+              <a:spcAft>
+                <a:spcPts val="200"/>
+              </a:spcAft>
+              <a:buFont typeface="Franklin Gothic Book" panose="020B0503020102020204" pitchFamily="34" charset="0"/>
+              <a:buChar char="–"/>
+              <a:defRPr sz="2000" i="1" kern="1200" baseline="0">
+                <a:solidFill>
+                  <a:schemeClr val="tx2"/>
+                </a:solidFill>
+                <a:latin typeface="+mn-lt"/>
+                <a:ea typeface="+mn-ea"/>
+                <a:cs typeface="+mn-cs"/>
+              </a:defRPr>
+            </a:lvl2pPr>
+            <a:lvl3pPr marL="1371600" indent="-384048" algn="l" defTabSz="914400" rtl="0" eaLnBrk="1" latinLnBrk="0" hangingPunct="1">
+              <a:lnSpc>
+                <a:spcPct val="94000"/>
+              </a:lnSpc>
+              <a:spcBef>
+                <a:spcPts val="500"/>
+              </a:spcBef>
+              <a:spcAft>
+                <a:spcPts val="200"/>
+              </a:spcAft>
+              <a:buFont typeface="Franklin Gothic Book" panose="020B0503020102020204" pitchFamily="34" charset="0"/>
+              <a:buChar char="■"/>
+              <a:defRPr sz="1800" kern="1200" baseline="0">
+                <a:solidFill>
+                  <a:schemeClr val="tx2"/>
+                </a:solidFill>
+                <a:latin typeface="+mn-lt"/>
+                <a:ea typeface="+mn-ea"/>
+                <a:cs typeface="+mn-cs"/>
+              </a:defRPr>
+            </a:lvl3pPr>
+            <a:lvl4pPr marL="1828800" indent="-384048" algn="l" defTabSz="914400" rtl="0" eaLnBrk="1" latinLnBrk="0" hangingPunct="1">
+              <a:lnSpc>
+                <a:spcPct val="94000"/>
+              </a:lnSpc>
+              <a:spcBef>
+                <a:spcPts val="500"/>
+              </a:spcBef>
+              <a:spcAft>
+                <a:spcPts val="200"/>
+              </a:spcAft>
+              <a:buFont typeface="Franklin Gothic Book" panose="020B0503020102020204" pitchFamily="34" charset="0"/>
+              <a:buChar char="–"/>
+              <a:defRPr sz="1800" i="1" kern="1200" baseline="0">
+                <a:solidFill>
+                  <a:schemeClr val="tx2"/>
+                </a:solidFill>
+                <a:latin typeface="+mn-lt"/>
+                <a:ea typeface="+mn-ea"/>
+                <a:cs typeface="+mn-cs"/>
+              </a:defRPr>
+            </a:lvl4pPr>
+            <a:lvl5pPr marL="2286000" indent="-384048" algn="l" defTabSz="914400" rtl="0" eaLnBrk="1" latinLnBrk="0" hangingPunct="1">
+              <a:lnSpc>
+                <a:spcPct val="94000"/>
+              </a:lnSpc>
+              <a:spcBef>
+                <a:spcPts val="500"/>
+              </a:spcBef>
+              <a:spcAft>
+                <a:spcPts val="200"/>
+              </a:spcAft>
+              <a:buFont typeface="Franklin Gothic Book" panose="020B0503020102020204" pitchFamily="34" charset="0"/>
+              <a:buChar char="■"/>
+              <a:defRPr sz="1600" kern="1200" baseline="0">
+                <a:solidFill>
+                  <a:schemeClr val="tx2"/>
+                </a:solidFill>
+                <a:latin typeface="+mn-lt"/>
+                <a:ea typeface="+mn-ea"/>
+                <a:cs typeface="+mn-cs"/>
+              </a:defRPr>
+            </a:lvl5pPr>
+            <a:lvl6pPr marL="2743200" indent="-384048" algn="l" defTabSz="914400" rtl="0" eaLnBrk="1" latinLnBrk="0" hangingPunct="1">
+              <a:lnSpc>
+                <a:spcPct val="94000"/>
+              </a:lnSpc>
+              <a:spcBef>
+                <a:spcPts val="500"/>
+              </a:spcBef>
+              <a:spcAft>
+                <a:spcPts val="200"/>
+              </a:spcAft>
+              <a:buFont typeface="Franklin Gothic Book" panose="020B0503020102020204" pitchFamily="34" charset="0"/>
+              <a:buChar char="–"/>
+              <a:defRPr sz="1600" i="1" kern="1200" baseline="0">
+                <a:solidFill>
+                  <a:schemeClr val="tx2"/>
+                </a:solidFill>
+                <a:latin typeface="+mn-lt"/>
+                <a:ea typeface="+mn-ea"/>
+                <a:cs typeface="+mn-cs"/>
+              </a:defRPr>
+            </a:lvl6pPr>
+            <a:lvl7pPr marL="3200400" indent="-384048" algn="l" defTabSz="914400" rtl="0" eaLnBrk="1" latinLnBrk="0" hangingPunct="1">
+              <a:lnSpc>
+                <a:spcPct val="94000"/>
+              </a:lnSpc>
+              <a:spcBef>
+                <a:spcPts val="500"/>
+              </a:spcBef>
+              <a:spcAft>
+                <a:spcPts val="200"/>
+              </a:spcAft>
+              <a:buFont typeface="Franklin Gothic Book" panose="020B0503020102020204" pitchFamily="34" charset="0"/>
+              <a:buChar char="■"/>
+              <a:defRPr sz="1400" kern="1200" baseline="0">
+                <a:solidFill>
+                  <a:schemeClr val="tx2"/>
+                </a:solidFill>
+                <a:latin typeface="+mn-lt"/>
+                <a:ea typeface="+mn-ea"/>
+                <a:cs typeface="+mn-cs"/>
+              </a:defRPr>
+            </a:lvl7pPr>
+            <a:lvl8pPr marL="3657600" indent="-384048" algn="l" defTabSz="914400" rtl="0" eaLnBrk="1" latinLnBrk="0" hangingPunct="1">
+              <a:lnSpc>
+                <a:spcPct val="94000"/>
+              </a:lnSpc>
+              <a:spcBef>
+                <a:spcPts val="500"/>
+              </a:spcBef>
+              <a:spcAft>
+                <a:spcPts val="200"/>
+              </a:spcAft>
+              <a:buFont typeface="Franklin Gothic Book" panose="020B0503020102020204" pitchFamily="34" charset="0"/>
+              <a:buChar char="–"/>
+              <a:defRPr sz="1400" i="1" kern="1200" baseline="0">
+                <a:solidFill>
+                  <a:schemeClr val="tx2"/>
+                </a:solidFill>
+                <a:latin typeface="+mn-lt"/>
+                <a:ea typeface="+mn-ea"/>
+                <a:cs typeface="+mn-cs"/>
+              </a:defRPr>
+            </a:lvl8pPr>
+            <a:lvl9pPr marL="4114800" indent="-384048" algn="l" defTabSz="914400" rtl="0" eaLnBrk="1" latinLnBrk="0" hangingPunct="1">
+              <a:lnSpc>
+                <a:spcPct val="94000"/>
+              </a:lnSpc>
+              <a:spcBef>
+                <a:spcPts val="500"/>
+              </a:spcBef>
+              <a:spcAft>
+                <a:spcPts val="200"/>
+              </a:spcAft>
+              <a:buFont typeface="Franklin Gothic Book" panose="020B0503020102020204" pitchFamily="34" charset="0"/>
+              <a:buChar char="■"/>
+              <a:defRPr sz="1400" kern="1200" baseline="0">
+                <a:solidFill>
+                  <a:schemeClr val="tx2"/>
+                </a:solidFill>
+                <a:latin typeface="+mn-lt"/>
+                <a:ea typeface="+mn-ea"/>
+                <a:cs typeface="+mn-cs"/>
+              </a:defRPr>
+            </a:lvl9pPr>
+          </a:lstStyle>
+          <a:p>
+            <a:pPr>
+              <a:lnSpc>
+                <a:spcPct val="100000"/>
+              </a:lnSpc>
+            </a:pPr>
+            <a:r>
+              <a:rPr lang="en-US" sz="1600" dirty="0"/>
+              <a:t>Gains in:</a:t>
+            </a:r>
+          </a:p>
+          <a:p>
+            <a:pPr lvl="1">
+              <a:lnSpc>
+                <a:spcPct val="100000"/>
+              </a:lnSpc>
+            </a:pPr>
+            <a:r>
+              <a:rPr lang="en-US" sz="1600" dirty="0"/>
+              <a:t>Speed (but just-in-time compiler, i.e. package loading)</a:t>
+            </a:r>
+            <a:r>
+              <a:rPr lang="en-US" sz="1600" baseline="30000" dirty="0"/>
+              <a:t>1</a:t>
+            </a:r>
+            <a:endParaRPr lang="en-US" sz="1600" dirty="0"/>
+          </a:p>
+          <a:p>
+            <a:pPr lvl="1">
+              <a:lnSpc>
+                <a:spcPct val="100000"/>
+              </a:lnSpc>
+            </a:pPr>
+            <a:r>
+              <a:rPr lang="en-US" sz="1600" dirty="0"/>
+              <a:t>Model complexity</a:t>
+            </a:r>
+          </a:p>
+          <a:p>
+            <a:pPr>
+              <a:lnSpc>
+                <a:spcPct val="100000"/>
+              </a:lnSpc>
+            </a:pPr>
+            <a:r>
+              <a:rPr lang="en-US" sz="1600" dirty="0"/>
+              <a:t>Without sacrificing:</a:t>
+            </a:r>
+          </a:p>
+          <a:p>
+            <a:pPr lvl="1">
+              <a:lnSpc>
+                <a:spcPct val="100000"/>
+              </a:lnSpc>
+            </a:pPr>
+            <a:r>
+              <a:rPr lang="en-US" sz="1600" dirty="0"/>
+              <a:t>Readability</a:t>
+            </a:r>
+          </a:p>
+          <a:p>
+            <a:pPr lvl="1">
+              <a:lnSpc>
+                <a:spcPct val="100000"/>
+              </a:lnSpc>
+            </a:pPr>
+            <a:r>
+              <a:rPr lang="en-US" sz="1600" dirty="0"/>
+              <a:t>Reproducibility</a:t>
+            </a:r>
+          </a:p>
+          <a:p>
+            <a:pPr lvl="1">
+              <a:lnSpc>
+                <a:spcPct val="100000"/>
+              </a:lnSpc>
+            </a:pPr>
+            <a:r>
+              <a:rPr lang="en-US" sz="1600" dirty="0"/>
+              <a:t>R packages that you know well</a:t>
+            </a:r>
+          </a:p>
+          <a:p>
+            <a:pPr lvl="1">
+              <a:lnSpc>
+                <a:spcPct val="100000"/>
+              </a:lnSpc>
+            </a:pPr>
+            <a:r>
+              <a:rPr lang="en-US" sz="1600" dirty="0"/>
+              <a:t>Tutorials and resources from the R community</a:t>
+            </a:r>
+          </a:p>
+          <a:p>
+            <a:pPr lvl="1">
+              <a:lnSpc>
+                <a:spcPct val="100000"/>
+              </a:lnSpc>
+            </a:pPr>
+            <a:r>
+              <a:rPr lang="en-US" sz="1600" dirty="0"/>
+              <a:t>Ability to share code with colleagues who don’t use Julia</a:t>
+            </a:r>
+          </a:p>
+          <a:p>
+            <a:pPr marL="0" indent="0">
+              <a:lnSpc>
+                <a:spcPct val="100000"/>
+              </a:lnSpc>
+              <a:buNone/>
+            </a:pPr>
+            <a:endParaRPr lang="en-US" sz="1200" dirty="0"/>
+          </a:p>
+          <a:p>
+            <a:pPr marL="0" indent="0">
+              <a:lnSpc>
+                <a:spcPct val="100000"/>
+              </a:lnSpc>
+              <a:buNone/>
+            </a:pPr>
+            <a:r>
+              <a:rPr lang="en-US" sz="1200" dirty="0"/>
+              <a:t>1 : https://</a:t>
+            </a:r>
+            <a:r>
+              <a:rPr lang="en-US" sz="1200" dirty="0" err="1"/>
+              <a:t>www.youtube.com</a:t>
+            </a:r>
+            <a:r>
+              <a:rPr lang="en-US" sz="1200" dirty="0"/>
+              <a:t>/</a:t>
+            </a:r>
+            <a:r>
+              <a:rPr lang="en-US" sz="1200" dirty="0" err="1"/>
+              <a:t>watch?v</a:t>
+            </a:r>
+            <a:r>
+              <a:rPr lang="en-US" sz="1200" dirty="0"/>
+              <a:t>=FJeSa0Fr5VY</a:t>
+            </a:r>
+          </a:p>
+        </p:txBody>
+      </p:sp>
+      <p:sp>
+        <p:nvSpPr>
+          <p:cNvPr id="19" name="TextBox 18">
+            <a:extLst>
+              <a:ext uri="{FF2B5EF4-FFF2-40B4-BE49-F238E27FC236}">
+                <a16:creationId xmlns:a16="http://schemas.microsoft.com/office/drawing/2014/main" id="{F1D3CB20-E07C-6D41-90D0-BFD51CBA1A9D}"/>
+              </a:ext>
+            </a:extLst>
+          </p:cNvPr>
+          <p:cNvSpPr txBox="1"/>
+          <p:nvPr/>
+        </p:nvSpPr>
+        <p:spPr>
+          <a:xfrm>
+            <a:off x="332932" y="5718780"/>
+            <a:ext cx="6642902" cy="1015663"/>
+          </a:xfrm>
+          <a:prstGeom prst="rect">
+            <a:avLst/>
+          </a:prstGeom>
+          <a:noFill/>
+        </p:spPr>
+        <p:txBody>
+          <a:bodyPr wrap="square" rtlCol="0">
+            <a:spAutoFit/>
+          </a:bodyPr>
+          <a:lstStyle/>
+          <a:p>
+            <a:r>
+              <a:rPr lang="en-US" sz="1200" dirty="0"/>
+              <a:t>“These micro-benchmarks, while not comprehensive, do test compiler performance on a range of common code patterns, such as function calls, string parsing, sorting, numerical loops, random number generation, recursion, and array operations.”</a:t>
+            </a:r>
+          </a:p>
+          <a:p>
+            <a:r>
+              <a:rPr lang="en-US" sz="1200" dirty="0"/>
+              <a:t>single core, Julia 1.0.0</a:t>
+            </a:r>
+          </a:p>
+          <a:p>
+            <a:r>
+              <a:rPr lang="en-US" sz="1200" dirty="0"/>
+              <a:t>https://</a:t>
+            </a:r>
+            <a:r>
+              <a:rPr lang="en-US" sz="1200" dirty="0" err="1"/>
+              <a:t>julialang.org</a:t>
+            </a:r>
+            <a:r>
+              <a:rPr lang="en-US" sz="1200" dirty="0"/>
+              <a:t>/benchmarks/</a:t>
+            </a:r>
+          </a:p>
+        </p:txBody>
+      </p:sp>
+    </p:spTree>
+    <p:extLst>
+      <p:ext uri="{BB962C8B-B14F-4D97-AF65-F5344CB8AC3E}">
+        <p14:creationId xmlns:p14="http://schemas.microsoft.com/office/powerpoint/2010/main" val="4078491458"/>
+      </p:ext>
+    </p:extLst>
+  </p:cSld>
+  <p:clrMapOvr>
+    <a:masterClrMapping/>
+  </p:clrMapOvr>
+</p:sld>
+</file>
+
+<file path=ppt/slides/slide8.xml><?xml version="1.0" encoding="utf-8"?>
+<p:sld xmlns:a="http://schemas.openxmlformats.org/drawingml/2006/main" xmlns:r="http://schemas.openxmlformats.org/officeDocument/2006/relationships" xmlns:p="http://schemas.openxmlformats.org/presentationml/2006/main">
+  <p:cSld>
+    <p:bg>
+      <p:bgPr>
+        <a:solidFill>
+          <a:schemeClr val="bg2"/>
+        </a:solidFill>
+        <a:effectLst/>
+      </p:bgPr>
+    </p:bg>
+    <p:spTree>
+      <p:nvGrpSpPr>
+        <p:cNvPr id="1" name=""/>
+        <p:cNvGrpSpPr/>
+        <p:nvPr/>
+      </p:nvGrpSpPr>
+      <p:grpSpPr>
+        <a:xfrm>
+          <a:off x="0" y="0"/>
+          <a:ext cx="0" cy="0"/>
+          <a:chOff x="0" y="0"/>
+          <a:chExt cx="0" cy="0"/>
+        </a:xfrm>
+      </p:grpSpPr>
+      <p:sp useBgFill="1">
+        <p:nvSpPr>
+          <p:cNvPr id="24" name="Rectangle 23">
+            <a:extLst>
+              <a:ext uri="{FF2B5EF4-FFF2-40B4-BE49-F238E27FC236}">
+                <a16:creationId xmlns:a16="http://schemas.microsoft.com/office/drawing/2014/main" id="{8E2B8A2D-F46F-4DA5-8AFF-BC57461C281A}"/>
+              </a:ext>
+              <a:ext uri="{C183D7F6-B498-43B3-948B-1728B52AA6E4}">
+                <adec:decorative xmlns:adec="http://schemas.microsoft.com/office/drawing/2017/decorative" val="1"/>
+              </a:ext>
+            </a:extLst>
+          </p:cNvPr>
+          <p:cNvSpPr>
+            <a:spLocks noGrp="1" noRot="1" noChangeAspect="1" noMove="1" noResize="1" noEditPoints="1" noAdjustHandles="1" noChangeArrowheads="1" noChangeShapeType="1" noTextEdit="1"/>
+          </p:cNvSpPr>
+          <p:nvPr>
+            <p:extLst>
+              <p:ext uri="{386F3935-93C4-4BCD-93E2-E3B085C9AB24}">
+                <p16:designElem xmlns:p16="http://schemas.microsoft.com/office/powerpoint/2015/main" val="1"/>
+              </p:ext>
+            </p:extLst>
+          </p:nvPr>
+        </p:nvSpPr>
+        <p:spPr>
+          <a:xfrm>
+            <a:off x="0" y="0"/>
+            <a:ext cx="12192000" cy="6858000"/>
+          </a:xfrm>
+          <a:prstGeom prst="rect">
+            <a:avLst/>
+          </a:prstGeom>
+          <a:ln>
+            <a:noFill/>
+          </a:ln>
+        </p:spPr>
+        <p:style>
+          <a:lnRef idx="2">
+            <a:schemeClr val="accent1">
+              <a:shade val="50000"/>
+            </a:schemeClr>
+          </a:lnRef>
+          <a:fillRef idx="1">
+            <a:schemeClr val="accent1"/>
+          </a:fillRef>
+          <a:effectRef idx="0">
+            <a:schemeClr val="accent1"/>
+          </a:effectRef>
+          <a:fontRef idx="minor">
+            <a:schemeClr val="lt1"/>
+          </a:fontRef>
+        </p:style>
+        <p:txBody>
+          <a:bodyPr rtlCol="0" anchor="ctr"/>
+          <a:lstStyle/>
+          <a:p>
+            <a:pPr algn="ctr"/>
+            <a:endParaRPr lang="en-US"/>
+          </a:p>
+        </p:txBody>
+      </p:sp>
       <p:sp>
         <p:nvSpPr>
           <p:cNvPr id="2" name="Title 1">
@@ -11780,12 +13322,14 @@
         </p:nvSpPr>
         <p:spPr>
           <a:xfrm>
-            <a:off x="1371600" y="568325"/>
-            <a:ext cx="9601200" cy="1485900"/>
+            <a:off x="784743" y="685800"/>
+            <a:ext cx="5793475" cy="1485900"/>
           </a:xfrm>
         </p:spPr>
         <p:txBody>
-          <a:bodyPr/>
+          <a:bodyPr>
+            <a:normAutofit/>
+          </a:bodyPr>
           <a:lstStyle/>
           <a:p>
             <a:r>
@@ -11813,8 +13357,8 @@
         </p:nvSpPr>
         <p:spPr>
           <a:xfrm>
-            <a:off x="1371600" y="1501775"/>
-            <a:ext cx="9601200" cy="3581400"/>
+            <a:off x="784743" y="2286000"/>
+            <a:ext cx="5793475" cy="3581400"/>
           </a:xfrm>
         </p:spPr>
         <p:txBody>
@@ -11825,86 +13369,195 @@
           <a:p>
             <a:r>
               <a:rPr lang="en-US" dirty="0"/>
-              <a:t>This talk: workflow heavily based in R, using Julia for only some major models</a:t>
-            </a:r>
-          </a:p>
-          <a:p>
-            <a:r>
-              <a:rPr lang="en-US" dirty="0"/>
-              <a:t>Julia packages: </a:t>
+              <a:t>Options:</a:t>
             </a:r>
           </a:p>
           <a:p>
             <a:pPr lvl="1"/>
             <a:r>
               <a:rPr lang="en-US" dirty="0"/>
-              <a:t>“</a:t>
+              <a:t>REPL</a:t>
+            </a:r>
+          </a:p>
+          <a:p>
+            <a:pPr lvl="1"/>
+            <a:r>
+              <a:rPr lang="en-US" dirty="0"/>
+              <a:t>Julia script .</a:t>
             </a:r>
             <a:r>
-              <a:rPr lang="en-US" b="1" dirty="0" err="1"/>
-              <a:t>RCall</a:t>
+              <a:rPr lang="en-US" dirty="0" err="1"/>
+              <a:t>jl</a:t>
+            </a:r>
+            <a:endParaRPr lang="en-US" dirty="0"/>
+          </a:p>
+          <a:p>
+            <a:pPr lvl="1"/>
+            <a:r>
+              <a:rPr lang="en-US" dirty="0"/>
+              <a:t>Julia Markdown .</a:t>
+            </a:r>
+            <a:r>
+              <a:rPr lang="en-US" dirty="0" err="1"/>
+              <a:t>jmd</a:t>
+            </a:r>
+            <a:endParaRPr lang="en-US" dirty="0"/>
+          </a:p>
+          <a:p>
+            <a:pPr lvl="1"/>
+            <a:r>
+              <a:rPr lang="en-US" dirty="0"/>
+              <a:t>IDE like Visual Studio Code</a:t>
+            </a:r>
+          </a:p>
+          <a:p>
+            <a:pPr lvl="1"/>
+            <a:r>
+              <a:rPr lang="en-US" dirty="0" err="1"/>
+              <a:t>Jupyter</a:t>
             </a:r>
             <a:r>
               <a:rPr lang="en-US" dirty="0"/>
-              <a:t>”: </a:t>
-            </a:r>
-            <a:r>
-              <a:rPr lang="en-US" dirty="0">
-                <a:hlinkClick r:id="rId3"/>
-              </a:rPr>
-              <a:t>https://juliainterop.github.io/RCall.jl</a:t>
-            </a:r>
-            <a:endParaRPr lang="en-US" dirty="0"/>
-          </a:p>
-          <a:p>
-            <a:pPr lvl="2"/>
-            <a:r>
-              <a:rPr lang="en-US" dirty="0"/>
-              <a:t>Once loaded into your environment, you can switch to R within the Julia REPL</a:t>
-            </a:r>
-          </a:p>
-          <a:p>
-            <a:pPr lvl="3"/>
-            <a:r>
-              <a:rPr lang="en-US" dirty="0"/>
-              <a:t>using </a:t>
+              <a:t> Notebooks .</a:t>
             </a:r>
             <a:r>
               <a:rPr lang="en-US" dirty="0" err="1"/>
-              <a:t>RCall</a:t>
+              <a:t>ipynb</a:t>
             </a:r>
             <a:endParaRPr lang="en-US" dirty="0"/>
           </a:p>
           <a:p>
-            <a:pPr lvl="3"/>
+            <a:pPr lvl="1"/>
             <a:r>
               <a:rPr lang="en-US" dirty="0"/>
-              <a:t>$</a:t>
-            </a:r>
-          </a:p>
-          <a:p>
-            <a:pPr lvl="2"/>
-            <a:r>
-              <a:rPr lang="en-US" dirty="0"/>
-              <a:t>Exit the R environment with backspace</a:t>
-            </a:r>
-          </a:p>
-          <a:p>
-            <a:pPr lvl="2"/>
-            <a:r>
-              <a:rPr lang="en-US" dirty="0"/>
-              <a:t>Use R within a Julia script, markdown, or notebook</a:t>
-            </a:r>
-          </a:p>
-          <a:p>
-            <a:pPr lvl="3"/>
-            <a:r>
-              <a:rPr lang="en-US" dirty="0"/>
-              <a:t>R“ ”</a:t>
+              <a:t>Pluto Notebooks</a:t>
             </a:r>
           </a:p>
         </p:txBody>
       </p:sp>
+      <p:sp>
+        <p:nvSpPr>
+          <p:cNvPr id="26" name="Rectangle 25">
+            <a:extLst>
+              <a:ext uri="{FF2B5EF4-FFF2-40B4-BE49-F238E27FC236}">
+                <a16:creationId xmlns:a16="http://schemas.microsoft.com/office/drawing/2014/main" id="{292BAD85-00E4-4D0A-993C-8372E78E1ADD}"/>
+              </a:ext>
+              <a:ext uri="{C183D7F6-B498-43B3-948B-1728B52AA6E4}">
+                <adec:decorative xmlns:adec="http://schemas.microsoft.com/office/drawing/2017/decorative" val="1"/>
+              </a:ext>
+            </a:extLst>
+          </p:cNvPr>
+          <p:cNvSpPr>
+            <a:spLocks noGrp="1" noRot="1" noChangeAspect="1" noMove="1" noResize="1" noEditPoints="1" noAdjustHandles="1" noChangeArrowheads="1" noChangeShapeType="1" noTextEdit="1"/>
+          </p:cNvSpPr>
+          <p:nvPr>
+            <p:extLst>
+              <p:ext uri="{386F3935-93C4-4BCD-93E2-E3B085C9AB24}">
+                <p16:designElem xmlns:p16="http://schemas.microsoft.com/office/powerpoint/2015/main" val="1"/>
+              </p:ext>
+            </p:extLst>
+          </p:nvPr>
+        </p:nvSpPr>
+        <p:spPr>
+          <a:xfrm>
+            <a:off x="7383661" y="0"/>
+            <a:ext cx="228600" cy="6858000"/>
+          </a:xfrm>
+          <a:prstGeom prst="rect">
+            <a:avLst/>
+          </a:prstGeom>
+          <a:solidFill>
+            <a:schemeClr val="tx2"/>
+          </a:solidFill>
+          <a:ln>
+            <a:noFill/>
+          </a:ln>
+        </p:spPr>
+        <p:style>
+          <a:lnRef idx="2">
+            <a:schemeClr val="accent1">
+              <a:shade val="50000"/>
+            </a:schemeClr>
+          </a:lnRef>
+          <a:fillRef idx="1">
+            <a:schemeClr val="accent1"/>
+          </a:fillRef>
+          <a:effectRef idx="0">
+            <a:schemeClr val="accent1"/>
+          </a:effectRef>
+          <a:fontRef idx="minor">
+            <a:schemeClr val="lt1"/>
+          </a:fontRef>
+        </p:style>
+      </p:sp>
+      <p:pic>
+        <p:nvPicPr>
+          <p:cNvPr id="6" name="Picture 5" descr="Graphical user interface, text, application, email&#10;&#10;Description automatically generated">
+            <a:extLst>
+              <a:ext uri="{FF2B5EF4-FFF2-40B4-BE49-F238E27FC236}">
+                <a16:creationId xmlns:a16="http://schemas.microsoft.com/office/drawing/2014/main" id="{1C89CDC3-92EC-3641-9E20-6ADC57934929}"/>
+              </a:ext>
+            </a:extLst>
+          </p:cNvPr>
+          <p:cNvPicPr>
+            <a:picLocks noChangeAspect="1"/>
+          </p:cNvPicPr>
+          <p:nvPr/>
+        </p:nvPicPr>
+        <p:blipFill>
+          <a:blip r:embed="rId2"/>
+          <a:stretch>
+            <a:fillRect/>
+          </a:stretch>
+        </p:blipFill>
+        <p:spPr>
+          <a:xfrm>
+            <a:off x="7668822" y="821872"/>
+            <a:ext cx="4447397" cy="3172095"/>
+          </a:xfrm>
+          <a:prstGeom prst="rect">
+            <a:avLst/>
+          </a:prstGeom>
+          <a:ln>
+            <a:noFill/>
+          </a:ln>
+          <a:effectLst/>
+        </p:spPr>
+      </p:pic>
+      <p:pic>
+        <p:nvPicPr>
+          <p:cNvPr id="10" name="Picture 9" descr="Text&#10;&#10;Description automatically generated with medium confidence">
+            <a:extLst>
+              <a:ext uri="{FF2B5EF4-FFF2-40B4-BE49-F238E27FC236}">
+                <a16:creationId xmlns:a16="http://schemas.microsoft.com/office/drawing/2014/main" id="{CBC08C5D-8ED9-354E-88D5-B785CB815AF1}"/>
+              </a:ext>
+            </a:extLst>
+          </p:cNvPr>
+          <p:cNvPicPr>
+            <a:picLocks noChangeAspect="1"/>
+          </p:cNvPicPr>
+          <p:nvPr/>
+        </p:nvPicPr>
+        <p:blipFill>
+          <a:blip r:embed="rId3"/>
+          <a:stretch>
+            <a:fillRect/>
+          </a:stretch>
+        </p:blipFill>
+        <p:spPr>
+          <a:xfrm>
+            <a:off x="7744604" y="4401711"/>
+            <a:ext cx="4371616" cy="1634417"/>
+          </a:xfrm>
+          <a:prstGeom prst="rect">
+            <a:avLst/>
+          </a:prstGeom>
+          <a:ln>
+            <a:noFill/>
+          </a:ln>
+          <a:effectLst/>
+        </p:spPr>
+      </p:pic>
     </p:spTree>
     <p:extLst>
       <p:ext uri="{BB962C8B-B14F-4D97-AF65-F5344CB8AC3E}">

--- a/JuliaforRLovers.pptx
+++ b/JuliaforRLovers.pptx
@@ -2361,6 +2361,13 @@
     <dgm:pt modelId="{CF0D9B8D-CB58-354F-B924-8AFBA8BC050A}" type="sibTrans" cxnId="{5737F2A8-4E7B-8A44-9A4C-F94F50537E28}">
       <dgm:prSet phldrT="04" phldr="0"/>
       <dgm:spPr/>
+      <dgm:t>
+        <a:bodyPr/>
+        <a:lstStyle/>
+        <a:p>
+          <a:endParaRPr lang="en-US"/>
+        </a:p>
+      </dgm:t>
     </dgm:pt>
     <dgm:pt modelId="{76138879-D343-854E-8EE3-6DD936E583CA}" type="pres">
       <dgm:prSet presAssocID="{B5274331-A7B5-43BB-BDA5-DD050CC384BB}" presName="Name0" presStyleCnt="0">
@@ -7317,7 +7324,7 @@
             <a:fld id="{87DE6118-2437-4B30-8E3C-4D2BE6020583}" type="datetimeFigureOut">
               <a:rPr lang="en-US" smtClean="0"/>
               <a:pPr/>
-              <a:t>7/8/21</a:t>
+              <a:t>7/15/21</a:t>
             </a:fld>
             <a:endParaRPr lang="en-US" dirty="0"/>
           </a:p>
@@ -7648,7 +7655,7 @@
           <a:p>
             <a:fld id="{87DE6118-2437-4B30-8E3C-4D2BE6020583}" type="datetimeFigureOut">
               <a:rPr lang="en-US" smtClean="0"/>
-              <a:t>7/8/21</a:t>
+              <a:t>7/15/21</a:t>
             </a:fld>
             <a:endParaRPr lang="en-US" dirty="0"/>
           </a:p>
@@ -7828,7 +7835,7 @@
           <a:p>
             <a:fld id="{87DE6118-2437-4B30-8E3C-4D2BE6020583}" type="datetimeFigureOut">
               <a:rPr lang="en-US" smtClean="0"/>
-              <a:t>7/8/21</a:t>
+              <a:t>7/15/21</a:t>
             </a:fld>
             <a:endParaRPr lang="en-US" dirty="0"/>
           </a:p>
@@ -7998,7 +8005,7 @@
           <a:p>
             <a:fld id="{87DE6118-2437-4B30-8E3C-4D2BE6020583}" type="datetimeFigureOut">
               <a:rPr lang="en-US" smtClean="0"/>
-              <a:t>7/8/21</a:t>
+              <a:t>7/15/21</a:t>
             </a:fld>
             <a:endParaRPr lang="en-US" dirty="0"/>
           </a:p>
@@ -8276,7 +8283,7 @@
             <a:fld id="{87DE6118-2437-4B30-8E3C-4D2BE6020583}" type="datetimeFigureOut">
               <a:rPr lang="en-US" smtClean="0"/>
               <a:pPr/>
-              <a:t>7/8/21</a:t>
+              <a:t>7/15/21</a:t>
             </a:fld>
             <a:endParaRPr lang="en-US" dirty="0"/>
           </a:p>
@@ -8671,7 +8678,7 @@
           <a:p>
             <a:fld id="{87DE6118-2437-4B30-8E3C-4D2BE6020583}" type="datetimeFigureOut">
               <a:rPr lang="en-US" smtClean="0"/>
-              <a:t>7/8/21</a:t>
+              <a:t>7/15/21</a:t>
             </a:fld>
             <a:endParaRPr lang="en-US" dirty="0"/>
           </a:p>
@@ -9148,7 +9155,7 @@
           <a:p>
             <a:fld id="{87DE6118-2437-4B30-8E3C-4D2BE6020583}" type="datetimeFigureOut">
               <a:rPr lang="en-US" smtClean="0"/>
-              <a:t>7/8/21</a:t>
+              <a:t>7/15/21</a:t>
             </a:fld>
             <a:endParaRPr lang="en-US" dirty="0"/>
           </a:p>
@@ -9266,7 +9273,7 @@
           <a:p>
             <a:fld id="{87DE6118-2437-4B30-8E3C-4D2BE6020583}" type="datetimeFigureOut">
               <a:rPr lang="en-US" smtClean="0"/>
-              <a:t>7/8/21</a:t>
+              <a:t>7/15/21</a:t>
             </a:fld>
             <a:endParaRPr lang="en-US" dirty="0"/>
           </a:p>
@@ -9361,7 +9368,7 @@
           <a:p>
             <a:fld id="{87DE6118-2437-4B30-8E3C-4D2BE6020583}" type="datetimeFigureOut">
               <a:rPr lang="en-US" smtClean="0"/>
-              <a:t>7/8/21</a:t>
+              <a:t>7/15/21</a:t>
             </a:fld>
             <a:endParaRPr lang="en-US" dirty="0"/>
           </a:p>
@@ -9708,7 +9715,7 @@
             <a:fld id="{87DE6118-2437-4B30-8E3C-4D2BE6020583}" type="datetimeFigureOut">
               <a:rPr lang="en-US" smtClean="0"/>
               <a:pPr/>
-              <a:t>7/8/21</a:t>
+              <a:t>7/15/21</a:t>
             </a:fld>
             <a:endParaRPr lang="en-US" dirty="0"/>
           </a:p>
@@ -10098,7 +10105,7 @@
             <a:fld id="{87DE6118-2437-4B30-8E3C-4D2BE6020583}" type="datetimeFigureOut">
               <a:rPr lang="en-US" smtClean="0"/>
               <a:pPr/>
-              <a:t>7/8/21</a:t>
+              <a:t>7/15/21</a:t>
             </a:fld>
             <a:endParaRPr lang="en-US" dirty="0"/>
           </a:p>
@@ -10378,7 +10385,7 @@
             <a:fld id="{87DE6118-2437-4B30-8E3C-4D2BE6020583}" type="datetimeFigureOut">
               <a:rPr lang="en-US" smtClean="0"/>
               <a:pPr/>
-              <a:t>7/8/21</a:t>
+              <a:t>7/15/21</a:t>
             </a:fld>
             <a:endParaRPr lang="en-US" dirty="0"/>
           </a:p>
@@ -13363,7 +13370,7 @@
         </p:spPr>
         <p:txBody>
           <a:bodyPr>
-            <a:normAutofit/>
+            <a:normAutofit fontScale="92500"/>
           </a:bodyPr>
           <a:lstStyle/>
           <a:p>
@@ -13380,6 +13387,13 @@
             </a:r>
           </a:p>
           <a:p>
+            <a:pPr lvl="2"/>
+            <a:r>
+              <a:rPr lang="en-US" dirty="0"/>
+              <a:t>R console</a:t>
+            </a:r>
+          </a:p>
+          <a:p>
             <a:pPr lvl="1"/>
             <a:r>
               <a:rPr lang="en-US" dirty="0"/>
@@ -13392,6 +13406,13 @@
             <a:endParaRPr lang="en-US" dirty="0"/>
           </a:p>
           <a:p>
+            <a:pPr lvl="2"/>
+            <a:r>
+              <a:rPr lang="en-US" dirty="0"/>
+              <a:t>R script (.R)</a:t>
+            </a:r>
+          </a:p>
+          <a:p>
             <a:pPr lvl="1"/>
             <a:r>
               <a:rPr lang="en-US" dirty="0"/>
@@ -13404,6 +13425,21 @@
             <a:endParaRPr lang="en-US" dirty="0"/>
           </a:p>
           <a:p>
+            <a:pPr lvl="2"/>
+            <a:r>
+              <a:rPr lang="en-US" dirty="0"/>
+              <a:t>R Markdown (.</a:t>
+            </a:r>
+            <a:r>
+              <a:rPr lang="en-US" dirty="0" err="1"/>
+              <a:t>Rmd</a:t>
+            </a:r>
+            <a:r>
+              <a:rPr lang="en-US" dirty="0"/>
+              <a:t>)</a:t>
+            </a:r>
+          </a:p>
+          <a:p>
             <a:pPr lvl="1"/>
             <a:r>
               <a:rPr lang="en-US" dirty="0"/>
@@ -13411,6 +13447,13 @@
             </a:r>
           </a:p>
           <a:p>
+            <a:pPr lvl="2"/>
+            <a:r>
+              <a:rPr lang="en-US" dirty="0"/>
+              <a:t>R-Studio</a:t>
+            </a:r>
+          </a:p>
+          <a:p>
             <a:pPr lvl="1"/>
             <a:r>
               <a:rPr lang="en-US" dirty="0" err="1"/>
@@ -13424,14 +13467,16 @@
               <a:rPr lang="en-US" dirty="0" err="1"/>
               <a:t>ipynb</a:t>
             </a:r>
+            <a:r>
+              <a:rPr lang="en-US" dirty="0"/>
+              <a:t> (or Pluto Notebooks)</a:t>
+            </a:r>
+          </a:p>
+          <a:p>
+            <a:pPr marL="530352" lvl="1" indent="0">
+              <a:buNone/>
+            </a:pPr>
             <a:endParaRPr lang="en-US" dirty="0"/>
-          </a:p>
-          <a:p>
-            <a:pPr lvl="1"/>
-            <a:r>
-              <a:rPr lang="en-US" dirty="0"/>
-              <a:t>Pluto Notebooks</a:t>
-            </a:r>
           </a:p>
         </p:txBody>
       </p:sp>
@@ -13512,7 +13557,7 @@
         </p:blipFill>
         <p:spPr>
           <a:xfrm>
-            <a:off x="7668822" y="821872"/>
+            <a:off x="7678432" y="3081596"/>
             <a:ext cx="4447397" cy="3172095"/>
           </a:xfrm>
           <a:prstGeom prst="rect">
@@ -13546,7 +13591,7 @@
         </p:blipFill>
         <p:spPr>
           <a:xfrm>
-            <a:off x="7744604" y="4401711"/>
+            <a:off x="7716322" y="1259117"/>
             <a:ext cx="4371616" cy="1634417"/>
           </a:xfrm>
           <a:prstGeom prst="rect">
